--- a/সূরা আল আসর-এর সচিত্র বর্ণনা.pptx
+++ b/সূরা আল আসর-এর সচিত্র বর্ণনা.pptx
@@ -117,7 +117,7 @@
   </p:defaultTextStyle>
   <p:extLst>
     <p:ext uri="{EFAFB233-063F-42B5-8137-9DF3F51BA10A}">
-      <p15:sldGuideLst xmlns:p15="http://schemas.microsoft.com/office/powerpoint/2012/main" xmlns="">
+      <p15:sldGuideLst xmlns:p15="http://schemas.microsoft.com/office/powerpoint/2012/main">
         <p15:guide id="1" orient="horz" pos="2160">
           <p15:clr>
             <a:srgbClr val="A4A3A4"/>
@@ -172,10 +172,9 @@
           <a:lstStyle/>
           <a:p>
             <a:r>
-              <a:rPr lang="en-US" smtClean="0"/>
+              <a:rPr lang="en-US"/>
               <a:t>Click to edit Master title style</a:t>
             </a:r>
-            <a:endParaRPr lang="en-US"/>
           </a:p>
         </p:txBody>
       </p:sp>
@@ -291,10 +290,9 @@
           </a:lstStyle>
           <a:p>
             <a:r>
-              <a:rPr lang="en-US" smtClean="0"/>
+              <a:rPr lang="en-US"/>
               <a:t>Click to edit Master subtitle style</a:t>
             </a:r>
-            <a:endParaRPr lang="en-US"/>
           </a:p>
         </p:txBody>
       </p:sp>
@@ -315,7 +313,7 @@
           <a:p>
             <a:fld id="{FF1BD98B-8B0C-4560-AAF1-96715E066FA8}" type="datetimeFigureOut">
               <a:rPr lang="en-US" smtClean="0"/>
-              <a:t>3/10/2018</a:t>
+              <a:t>12/27/21</a:t>
             </a:fld>
             <a:endParaRPr lang="en-US"/>
           </a:p>
@@ -409,10 +407,9 @@
           <a:lstStyle/>
           <a:p>
             <a:r>
-              <a:rPr lang="en-US" smtClean="0"/>
+              <a:rPr lang="en-US"/>
               <a:t>Click to edit Master title style</a:t>
             </a:r>
-            <a:endParaRPr lang="en-US"/>
           </a:p>
         </p:txBody>
       </p:sp>
@@ -433,38 +430,37 @@
           <a:p>
             <a:pPr lvl="0"/>
             <a:r>
-              <a:rPr lang="en-US" smtClean="0"/>
+              <a:rPr lang="en-US"/>
               <a:t>Click to edit Master text styles</a:t>
             </a:r>
           </a:p>
           <a:p>
             <a:pPr lvl="1"/>
             <a:r>
-              <a:rPr lang="en-US" smtClean="0"/>
+              <a:rPr lang="en-US"/>
               <a:t>Second level</a:t>
             </a:r>
           </a:p>
           <a:p>
             <a:pPr lvl="2"/>
             <a:r>
-              <a:rPr lang="en-US" smtClean="0"/>
+              <a:rPr lang="en-US"/>
               <a:t>Third level</a:t>
             </a:r>
           </a:p>
           <a:p>
             <a:pPr lvl="3"/>
             <a:r>
-              <a:rPr lang="en-US" smtClean="0"/>
+              <a:rPr lang="en-US"/>
               <a:t>Fourth level</a:t>
             </a:r>
           </a:p>
           <a:p>
             <a:pPr lvl="4"/>
             <a:r>
-              <a:rPr lang="en-US" smtClean="0"/>
+              <a:rPr lang="en-US"/>
               <a:t>Fifth level</a:t>
             </a:r>
-            <a:endParaRPr lang="en-US"/>
           </a:p>
         </p:txBody>
       </p:sp>
@@ -485,7 +481,7 @@
           <a:p>
             <a:fld id="{FF1BD98B-8B0C-4560-AAF1-96715E066FA8}" type="datetimeFigureOut">
               <a:rPr lang="en-US" smtClean="0"/>
-              <a:t>3/10/2018</a:t>
+              <a:t>12/27/21</a:t>
             </a:fld>
             <a:endParaRPr lang="en-US"/>
           </a:p>
@@ -584,10 +580,9 @@
           <a:lstStyle/>
           <a:p>
             <a:r>
-              <a:rPr lang="en-US" smtClean="0"/>
+              <a:rPr lang="en-US"/>
               <a:t>Click to edit Master title style</a:t>
             </a:r>
-            <a:endParaRPr lang="en-US"/>
           </a:p>
         </p:txBody>
       </p:sp>
@@ -613,38 +608,37 @@
           <a:p>
             <a:pPr lvl="0"/>
             <a:r>
-              <a:rPr lang="en-US" smtClean="0"/>
+              <a:rPr lang="en-US"/>
               <a:t>Click to edit Master text styles</a:t>
             </a:r>
           </a:p>
           <a:p>
             <a:pPr lvl="1"/>
             <a:r>
-              <a:rPr lang="en-US" smtClean="0"/>
+              <a:rPr lang="en-US"/>
               <a:t>Second level</a:t>
             </a:r>
           </a:p>
           <a:p>
             <a:pPr lvl="2"/>
             <a:r>
-              <a:rPr lang="en-US" smtClean="0"/>
+              <a:rPr lang="en-US"/>
               <a:t>Third level</a:t>
             </a:r>
           </a:p>
           <a:p>
             <a:pPr lvl="3"/>
             <a:r>
-              <a:rPr lang="en-US" smtClean="0"/>
+              <a:rPr lang="en-US"/>
               <a:t>Fourth level</a:t>
             </a:r>
           </a:p>
           <a:p>
             <a:pPr lvl="4"/>
             <a:r>
-              <a:rPr lang="en-US" smtClean="0"/>
+              <a:rPr lang="en-US"/>
               <a:t>Fifth level</a:t>
             </a:r>
-            <a:endParaRPr lang="en-US"/>
           </a:p>
         </p:txBody>
       </p:sp>
@@ -665,7 +659,7 @@
           <a:p>
             <a:fld id="{FF1BD98B-8B0C-4560-AAF1-96715E066FA8}" type="datetimeFigureOut">
               <a:rPr lang="en-US" smtClean="0"/>
-              <a:t>3/10/2018</a:t>
+              <a:t>12/27/21</a:t>
             </a:fld>
             <a:endParaRPr lang="en-US"/>
           </a:p>
@@ -759,10 +753,9 @@
           <a:lstStyle/>
           <a:p>
             <a:r>
-              <a:rPr lang="en-US" smtClean="0"/>
+              <a:rPr lang="en-US"/>
               <a:t>Click to edit Master title style</a:t>
             </a:r>
-            <a:endParaRPr lang="en-US"/>
           </a:p>
         </p:txBody>
       </p:sp>
@@ -783,38 +776,37 @@
           <a:p>
             <a:pPr lvl="0"/>
             <a:r>
-              <a:rPr lang="en-US" smtClean="0"/>
+              <a:rPr lang="en-US"/>
               <a:t>Click to edit Master text styles</a:t>
             </a:r>
           </a:p>
           <a:p>
             <a:pPr lvl="1"/>
             <a:r>
-              <a:rPr lang="en-US" smtClean="0"/>
+              <a:rPr lang="en-US"/>
               <a:t>Second level</a:t>
             </a:r>
           </a:p>
           <a:p>
             <a:pPr lvl="2"/>
             <a:r>
-              <a:rPr lang="en-US" smtClean="0"/>
+              <a:rPr lang="en-US"/>
               <a:t>Third level</a:t>
             </a:r>
           </a:p>
           <a:p>
             <a:pPr lvl="3"/>
             <a:r>
-              <a:rPr lang="en-US" smtClean="0"/>
+              <a:rPr lang="en-US"/>
               <a:t>Fourth level</a:t>
             </a:r>
           </a:p>
           <a:p>
             <a:pPr lvl="4"/>
             <a:r>
-              <a:rPr lang="en-US" smtClean="0"/>
+              <a:rPr lang="en-US"/>
               <a:t>Fifth level</a:t>
             </a:r>
-            <a:endParaRPr lang="en-US"/>
           </a:p>
         </p:txBody>
       </p:sp>
@@ -835,7 +827,7 @@
           <a:p>
             <a:fld id="{FF1BD98B-8B0C-4560-AAF1-96715E066FA8}" type="datetimeFigureOut">
               <a:rPr lang="en-US" smtClean="0"/>
-              <a:t>3/10/2018</a:t>
+              <a:t>12/27/21</a:t>
             </a:fld>
             <a:endParaRPr lang="en-US"/>
           </a:p>
@@ -938,10 +930,9 @@
           </a:lstStyle>
           <a:p>
             <a:r>
-              <a:rPr lang="en-US" smtClean="0"/>
+              <a:rPr lang="en-US"/>
               <a:t>Click to edit Master title style</a:t>
             </a:r>
-            <a:endParaRPr lang="en-US"/>
           </a:p>
         </p:txBody>
       </p:sp>
@@ -1058,7 +1049,7 @@
           <a:p>
             <a:pPr lvl="0"/>
             <a:r>
-              <a:rPr lang="en-US" smtClean="0"/>
+              <a:rPr lang="en-US"/>
               <a:t>Click to edit Master text styles</a:t>
             </a:r>
           </a:p>
@@ -1081,7 +1072,7 @@
           <a:p>
             <a:fld id="{FF1BD98B-8B0C-4560-AAF1-96715E066FA8}" type="datetimeFigureOut">
               <a:rPr lang="en-US" smtClean="0"/>
-              <a:t>3/10/2018</a:t>
+              <a:t>12/27/21</a:t>
             </a:fld>
             <a:endParaRPr lang="en-US"/>
           </a:p>
@@ -1175,10 +1166,9 @@
           <a:lstStyle/>
           <a:p>
             <a:r>
-              <a:rPr lang="en-US" smtClean="0"/>
+              <a:rPr lang="en-US"/>
               <a:t>Click to edit Master title style</a:t>
             </a:r>
-            <a:endParaRPr lang="en-US"/>
           </a:p>
         </p:txBody>
       </p:sp>
@@ -1232,38 +1222,37 @@
           <a:p>
             <a:pPr lvl="0"/>
             <a:r>
-              <a:rPr lang="en-US" smtClean="0"/>
+              <a:rPr lang="en-US"/>
               <a:t>Click to edit Master text styles</a:t>
             </a:r>
           </a:p>
           <a:p>
             <a:pPr lvl="1"/>
             <a:r>
-              <a:rPr lang="en-US" smtClean="0"/>
+              <a:rPr lang="en-US"/>
               <a:t>Second level</a:t>
             </a:r>
           </a:p>
           <a:p>
             <a:pPr lvl="2"/>
             <a:r>
-              <a:rPr lang="en-US" smtClean="0"/>
+              <a:rPr lang="en-US"/>
               <a:t>Third level</a:t>
             </a:r>
           </a:p>
           <a:p>
             <a:pPr lvl="3"/>
             <a:r>
-              <a:rPr lang="en-US" smtClean="0"/>
+              <a:rPr lang="en-US"/>
               <a:t>Fourth level</a:t>
             </a:r>
           </a:p>
           <a:p>
             <a:pPr lvl="4"/>
             <a:r>
-              <a:rPr lang="en-US" smtClean="0"/>
+              <a:rPr lang="en-US"/>
               <a:t>Fifth level</a:t>
             </a:r>
-            <a:endParaRPr lang="en-US"/>
           </a:p>
         </p:txBody>
       </p:sp>
@@ -1317,38 +1306,37 @@
           <a:p>
             <a:pPr lvl="0"/>
             <a:r>
-              <a:rPr lang="en-US" smtClean="0"/>
+              <a:rPr lang="en-US"/>
               <a:t>Click to edit Master text styles</a:t>
             </a:r>
           </a:p>
           <a:p>
             <a:pPr lvl="1"/>
             <a:r>
-              <a:rPr lang="en-US" smtClean="0"/>
+              <a:rPr lang="en-US"/>
               <a:t>Second level</a:t>
             </a:r>
           </a:p>
           <a:p>
             <a:pPr lvl="2"/>
             <a:r>
-              <a:rPr lang="en-US" smtClean="0"/>
+              <a:rPr lang="en-US"/>
               <a:t>Third level</a:t>
             </a:r>
           </a:p>
           <a:p>
             <a:pPr lvl="3"/>
             <a:r>
-              <a:rPr lang="en-US" smtClean="0"/>
+              <a:rPr lang="en-US"/>
               <a:t>Fourth level</a:t>
             </a:r>
           </a:p>
           <a:p>
             <a:pPr lvl="4"/>
             <a:r>
-              <a:rPr lang="en-US" smtClean="0"/>
+              <a:rPr lang="en-US"/>
               <a:t>Fifth level</a:t>
             </a:r>
-            <a:endParaRPr lang="en-US"/>
           </a:p>
         </p:txBody>
       </p:sp>
@@ -1369,7 +1357,7 @@
           <a:p>
             <a:fld id="{FF1BD98B-8B0C-4560-AAF1-96715E066FA8}" type="datetimeFigureOut">
               <a:rPr lang="en-US" smtClean="0"/>
-              <a:t>3/10/2018</a:t>
+              <a:t>12/27/21</a:t>
             </a:fld>
             <a:endParaRPr lang="en-US"/>
           </a:p>
@@ -1472,10 +1460,9 @@
           </a:lstStyle>
           <a:p>
             <a:r>
-              <a:rPr lang="en-US" smtClean="0"/>
+              <a:rPr lang="en-US"/>
               <a:t>Click to edit Master title style</a:t>
             </a:r>
-            <a:endParaRPr lang="en-US"/>
           </a:p>
         </p:txBody>
       </p:sp>
@@ -1538,7 +1525,7 @@
           <a:p>
             <a:pPr lvl="0"/>
             <a:r>
-              <a:rPr lang="en-US" smtClean="0"/>
+              <a:rPr lang="en-US"/>
               <a:t>Click to edit Master text styles</a:t>
             </a:r>
           </a:p>
@@ -1594,38 +1581,37 @@
           <a:p>
             <a:pPr lvl="0"/>
             <a:r>
-              <a:rPr lang="en-US" smtClean="0"/>
+              <a:rPr lang="en-US"/>
               <a:t>Click to edit Master text styles</a:t>
             </a:r>
           </a:p>
           <a:p>
             <a:pPr lvl="1"/>
             <a:r>
-              <a:rPr lang="en-US" smtClean="0"/>
+              <a:rPr lang="en-US"/>
               <a:t>Second level</a:t>
             </a:r>
           </a:p>
           <a:p>
             <a:pPr lvl="2"/>
             <a:r>
-              <a:rPr lang="en-US" smtClean="0"/>
+              <a:rPr lang="en-US"/>
               <a:t>Third level</a:t>
             </a:r>
           </a:p>
           <a:p>
             <a:pPr lvl="3"/>
             <a:r>
-              <a:rPr lang="en-US" smtClean="0"/>
+              <a:rPr lang="en-US"/>
               <a:t>Fourth level</a:t>
             </a:r>
           </a:p>
           <a:p>
             <a:pPr lvl="4"/>
             <a:r>
-              <a:rPr lang="en-US" smtClean="0"/>
+              <a:rPr lang="en-US"/>
               <a:t>Fifth level</a:t>
             </a:r>
-            <a:endParaRPr lang="en-US"/>
           </a:p>
         </p:txBody>
       </p:sp>
@@ -1688,7 +1674,7 @@
           <a:p>
             <a:pPr lvl="0"/>
             <a:r>
-              <a:rPr lang="en-US" smtClean="0"/>
+              <a:rPr lang="en-US"/>
               <a:t>Click to edit Master text styles</a:t>
             </a:r>
           </a:p>
@@ -1744,38 +1730,37 @@
           <a:p>
             <a:pPr lvl="0"/>
             <a:r>
-              <a:rPr lang="en-US" smtClean="0"/>
+              <a:rPr lang="en-US"/>
               <a:t>Click to edit Master text styles</a:t>
             </a:r>
           </a:p>
           <a:p>
             <a:pPr lvl="1"/>
             <a:r>
-              <a:rPr lang="en-US" smtClean="0"/>
+              <a:rPr lang="en-US"/>
               <a:t>Second level</a:t>
             </a:r>
           </a:p>
           <a:p>
             <a:pPr lvl="2"/>
             <a:r>
-              <a:rPr lang="en-US" smtClean="0"/>
+              <a:rPr lang="en-US"/>
               <a:t>Third level</a:t>
             </a:r>
           </a:p>
           <a:p>
             <a:pPr lvl="3"/>
             <a:r>
-              <a:rPr lang="en-US" smtClean="0"/>
+              <a:rPr lang="en-US"/>
               <a:t>Fourth level</a:t>
             </a:r>
           </a:p>
           <a:p>
             <a:pPr lvl="4"/>
             <a:r>
-              <a:rPr lang="en-US" smtClean="0"/>
+              <a:rPr lang="en-US"/>
               <a:t>Fifth level</a:t>
             </a:r>
-            <a:endParaRPr lang="en-US"/>
           </a:p>
         </p:txBody>
       </p:sp>
@@ -1796,7 +1781,7 @@
           <a:p>
             <a:fld id="{FF1BD98B-8B0C-4560-AAF1-96715E066FA8}" type="datetimeFigureOut">
               <a:rPr lang="en-US" smtClean="0"/>
-              <a:t>3/10/2018</a:t>
+              <a:t>12/27/21</a:t>
             </a:fld>
             <a:endParaRPr lang="en-US"/>
           </a:p>
@@ -1890,10 +1875,9 @@
           <a:lstStyle/>
           <a:p>
             <a:r>
-              <a:rPr lang="en-US" smtClean="0"/>
+              <a:rPr lang="en-US"/>
               <a:t>Click to edit Master title style</a:t>
             </a:r>
-            <a:endParaRPr lang="en-US"/>
           </a:p>
         </p:txBody>
       </p:sp>
@@ -1914,7 +1898,7 @@
           <a:p>
             <a:fld id="{FF1BD98B-8B0C-4560-AAF1-96715E066FA8}" type="datetimeFigureOut">
               <a:rPr lang="en-US" smtClean="0"/>
-              <a:t>3/10/2018</a:t>
+              <a:t>12/27/21</a:t>
             </a:fld>
             <a:endParaRPr lang="en-US"/>
           </a:p>
@@ -2009,7 +1993,7 @@
           <a:p>
             <a:fld id="{FF1BD98B-8B0C-4560-AAF1-96715E066FA8}" type="datetimeFigureOut">
               <a:rPr lang="en-US" smtClean="0"/>
-              <a:t>3/10/2018</a:t>
+              <a:t>12/27/21</a:t>
             </a:fld>
             <a:endParaRPr lang="en-US"/>
           </a:p>
@@ -2112,10 +2096,9 @@
           </a:lstStyle>
           <a:p>
             <a:r>
-              <a:rPr lang="en-US" smtClean="0"/>
+              <a:rPr lang="en-US"/>
               <a:t>Click to edit Master title style</a:t>
             </a:r>
-            <a:endParaRPr lang="en-US"/>
           </a:p>
         </p:txBody>
       </p:sp>
@@ -2169,38 +2152,37 @@
           <a:p>
             <a:pPr lvl="0"/>
             <a:r>
-              <a:rPr lang="en-US" smtClean="0"/>
+              <a:rPr lang="en-US"/>
               <a:t>Click to edit Master text styles</a:t>
             </a:r>
           </a:p>
           <a:p>
             <a:pPr lvl="1"/>
             <a:r>
-              <a:rPr lang="en-US" smtClean="0"/>
+              <a:rPr lang="en-US"/>
               <a:t>Second level</a:t>
             </a:r>
           </a:p>
           <a:p>
             <a:pPr lvl="2"/>
             <a:r>
-              <a:rPr lang="en-US" smtClean="0"/>
+              <a:rPr lang="en-US"/>
               <a:t>Third level</a:t>
             </a:r>
           </a:p>
           <a:p>
             <a:pPr lvl="3"/>
             <a:r>
-              <a:rPr lang="en-US" smtClean="0"/>
+              <a:rPr lang="en-US"/>
               <a:t>Fourth level</a:t>
             </a:r>
           </a:p>
           <a:p>
             <a:pPr lvl="4"/>
             <a:r>
-              <a:rPr lang="en-US" smtClean="0"/>
+              <a:rPr lang="en-US"/>
               <a:t>Fifth level</a:t>
             </a:r>
-            <a:endParaRPr lang="en-US"/>
           </a:p>
         </p:txBody>
       </p:sp>
@@ -2263,7 +2245,7 @@
           <a:p>
             <a:pPr lvl="0"/>
             <a:r>
-              <a:rPr lang="en-US" smtClean="0"/>
+              <a:rPr lang="en-US"/>
               <a:t>Click to edit Master text styles</a:t>
             </a:r>
           </a:p>
@@ -2286,7 +2268,7 @@
           <a:p>
             <a:fld id="{FF1BD98B-8B0C-4560-AAF1-96715E066FA8}" type="datetimeFigureOut">
               <a:rPr lang="en-US" smtClean="0"/>
-              <a:t>3/10/2018</a:t>
+              <a:t>12/27/21</a:t>
             </a:fld>
             <a:endParaRPr lang="en-US"/>
           </a:p>
@@ -2389,10 +2371,9 @@
           </a:lstStyle>
           <a:p>
             <a:r>
-              <a:rPr lang="en-US" smtClean="0"/>
+              <a:rPr lang="en-US"/>
               <a:t>Click to edit Master title style</a:t>
             </a:r>
-            <a:endParaRPr lang="en-US"/>
           </a:p>
         </p:txBody>
       </p:sp>
@@ -2516,7 +2497,7 @@
           <a:p>
             <a:pPr lvl="0"/>
             <a:r>
-              <a:rPr lang="en-US" smtClean="0"/>
+              <a:rPr lang="en-US"/>
               <a:t>Click to edit Master text styles</a:t>
             </a:r>
           </a:p>
@@ -2539,7 +2520,7 @@
           <a:p>
             <a:fld id="{FF1BD98B-8B0C-4560-AAF1-96715E066FA8}" type="datetimeFigureOut">
               <a:rPr lang="en-US" smtClean="0"/>
-              <a:t>3/10/2018</a:t>
+              <a:t>12/27/21</a:t>
             </a:fld>
             <a:endParaRPr lang="en-US"/>
           </a:p>
@@ -2648,10 +2629,9 @@
           <a:lstStyle/>
           <a:p>
             <a:r>
-              <a:rPr lang="en-US" smtClean="0"/>
+              <a:rPr lang="en-US"/>
               <a:t>Click to edit Master title style</a:t>
             </a:r>
-            <a:endParaRPr lang="en-US"/>
           </a:p>
         </p:txBody>
       </p:sp>
@@ -2682,38 +2662,37 @@
           <a:p>
             <a:pPr lvl="0"/>
             <a:r>
-              <a:rPr lang="en-US" smtClean="0"/>
+              <a:rPr lang="en-US"/>
               <a:t>Click to edit Master text styles</a:t>
             </a:r>
           </a:p>
           <a:p>
             <a:pPr lvl="1"/>
             <a:r>
-              <a:rPr lang="en-US" smtClean="0"/>
+              <a:rPr lang="en-US"/>
               <a:t>Second level</a:t>
             </a:r>
           </a:p>
           <a:p>
             <a:pPr lvl="2"/>
             <a:r>
-              <a:rPr lang="en-US" smtClean="0"/>
+              <a:rPr lang="en-US"/>
               <a:t>Third level</a:t>
             </a:r>
           </a:p>
           <a:p>
             <a:pPr lvl="3"/>
             <a:r>
-              <a:rPr lang="en-US" smtClean="0"/>
+              <a:rPr lang="en-US"/>
               <a:t>Fourth level</a:t>
             </a:r>
           </a:p>
           <a:p>
             <a:pPr lvl="4"/>
             <a:r>
-              <a:rPr lang="en-US" smtClean="0"/>
+              <a:rPr lang="en-US"/>
               <a:t>Fifth level</a:t>
             </a:r>
-            <a:endParaRPr lang="en-US"/>
           </a:p>
         </p:txBody>
       </p:sp>
@@ -2752,7 +2731,7 @@
           <a:p>
             <a:fld id="{FF1BD98B-8B0C-4560-AAF1-96715E066FA8}" type="datetimeFigureOut">
               <a:rPr lang="en-US" smtClean="0"/>
-              <a:t>3/10/2018</a:t>
+              <a:t>12/27/21</a:t>
             </a:fld>
             <a:endParaRPr lang="en-US"/>
           </a:p>
@@ -2857,13 +2836,6 @@
     <p:sldLayoutId id="2147483826" r:id="rId10"/>
     <p:sldLayoutId id="2147483827" r:id="rId11"/>
   </p:sldLayoutIdLst>
-  <p:timing>
-    <p:tnLst>
-      <p:par>
-        <p:cTn id="1" dur="indefinite" restart="never" nodeType="tmRoot"/>
-      </p:par>
-    </p:tnLst>
-  </p:timing>
   <p:txStyles>
     <p:titleStyle>
       <a:lvl1pPr algn="ctr" defTabSz="914400" rtl="0" eaLnBrk="1" latinLnBrk="0" hangingPunct="1">
@@ -3294,7 +3266,7 @@
           <a:lstStyle/>
           <a:p>
             <a:r>
-              <a:rPr lang="en-US" sz="2400" b="1" dirty="0" smtClean="0">
+              <a:rPr lang="en-US" sz="2400" b="1" dirty="0">
                 <a:solidFill>
                   <a:srgbClr val="FF0000"/>
                 </a:solidFill>
@@ -3337,7 +3309,7 @@
           <a:lstStyle/>
           <a:p>
             <a:pPr algn="ctr"/>
-            <a:endParaRPr lang="en-US" sz="900" b="1" dirty="0" smtClean="0">
+            <a:endParaRPr lang="en-US" sz="900" b="1" dirty="0">
               <a:solidFill>
                 <a:srgbClr val="FF0000"/>
               </a:solidFill>
@@ -3346,7 +3318,7 @@
           <a:p>
             <a:pPr algn="ctr"/>
             <a:r>
-              <a:rPr lang="as-IN" sz="2400" b="1" dirty="0" smtClean="0">
+              <a:rPr lang="as-IN" sz="2400" b="1" dirty="0">
                 <a:solidFill>
                   <a:srgbClr val="FF0000"/>
                 </a:solidFill>
@@ -3354,7 +3326,7 @@
               <a:t>আইসিটিইআর </a:t>
             </a:r>
             <a:r>
-              <a:rPr lang="en-US" sz="2400" b="1" dirty="0" smtClean="0">
+              <a:rPr lang="en-US" sz="2400" b="1" dirty="0">
                 <a:solidFill>
                   <a:srgbClr val="FF0000"/>
                 </a:solidFill>
@@ -3362,7 +3334,7 @@
               <a:t> </a:t>
             </a:r>
             <a:r>
-              <a:rPr lang="as-IN" sz="2400" b="1" dirty="0" smtClean="0">
+              <a:rPr lang="as-IN" sz="2400" b="1" dirty="0">
                 <a:solidFill>
                   <a:srgbClr val="FF0000"/>
                 </a:solidFill>
@@ -3370,7 +3342,7 @@
               <a:t>গুরু</a:t>
             </a:r>
             <a:r>
-              <a:rPr lang="en-US" sz="2400" b="1" dirty="0" smtClean="0">
+              <a:rPr lang="en-US" sz="2400" b="1" dirty="0">
                 <a:solidFill>
                   <a:srgbClr val="FF0000"/>
                 </a:solidFill>
@@ -3378,7 +3350,7 @@
               <a:t>  </a:t>
             </a:r>
             <a:r>
-              <a:rPr lang="as-IN" sz="2400" b="1" dirty="0" smtClean="0">
+              <a:rPr lang="as-IN" sz="2400" b="1" dirty="0">
                 <a:solidFill>
                   <a:srgbClr val="FF0000"/>
                 </a:solidFill>
@@ -3386,7 +3358,7 @@
               <a:t>অনলাইন ফোরামে</a:t>
             </a:r>
             <a:r>
-              <a:rPr lang="en-US" sz="2400" b="1" dirty="0" smtClean="0">
+              <a:rPr lang="en-US" sz="2400" b="1" dirty="0">
                 <a:solidFill>
                   <a:srgbClr val="FF0000"/>
                 </a:solidFill>
@@ -3394,7 +3366,7 @@
               <a:t> </a:t>
             </a:r>
             <a:r>
-              <a:rPr lang="as-IN" sz="2400" b="1" dirty="0" smtClean="0">
+              <a:rPr lang="as-IN" sz="2400" b="1" dirty="0">
                 <a:solidFill>
                   <a:srgbClr val="FF0000"/>
                 </a:solidFill>
@@ -3402,7 +3374,7 @@
               <a:t> আপনাকে</a:t>
             </a:r>
             <a:r>
-              <a:rPr lang="en-US" sz="2400" b="1" dirty="0" smtClean="0">
+              <a:rPr lang="en-US" sz="2400" b="1" dirty="0">
                 <a:solidFill>
                   <a:srgbClr val="FF0000"/>
                 </a:solidFill>
@@ -3410,7 +3382,7 @@
               <a:t> </a:t>
             </a:r>
             <a:r>
-              <a:rPr lang="as-IN" sz="2400" b="1" dirty="0" smtClean="0">
+              <a:rPr lang="as-IN" sz="2400" b="1" dirty="0">
                 <a:solidFill>
                   <a:srgbClr val="FF0000"/>
                 </a:solidFill>
@@ -3477,31 +3449,15 @@
           <a:lstStyle/>
           <a:p>
             <a:r>
-              <a:rPr lang="as-IN" sz="2800" b="1" dirty="0" smtClean="0">
+              <a:rPr lang="as-IN" sz="2800" b="1" dirty="0">
                 <a:solidFill>
                   <a:srgbClr val="FF0000"/>
                 </a:solidFill>
               </a:rPr>
-              <a:t>এই </a:t>
-            </a:r>
-            <a:r>
-              <a:rPr lang="as-IN" sz="2800" b="1" dirty="0">
-                <a:solidFill>
-                  <a:srgbClr val="FF0000"/>
-                </a:solidFill>
-              </a:rPr>
-              <a:t>ভিডিওটি ভাল </a:t>
-            </a:r>
-            <a:r>
-              <a:rPr lang="as-IN" sz="2800" b="1" dirty="0" smtClean="0">
-                <a:solidFill>
-                  <a:srgbClr val="FF0000"/>
-                </a:solidFill>
-              </a:rPr>
-              <a:t>লাগলে</a:t>
-            </a:r>
-            <a:r>
-              <a:rPr lang="en-US" sz="2800" b="1" dirty="0" smtClean="0">
+              <a:t>এই ভিডিওটি ভাল লাগলে</a:t>
+            </a:r>
+            <a:r>
+              <a:rPr lang="en-US" sz="2800" b="1" dirty="0">
                 <a:solidFill>
                   <a:srgbClr val="FF0000"/>
                 </a:solidFill>
@@ -3514,18 +3470,10 @@
                   <a:srgbClr val="FF0000"/>
                 </a:solidFill>
               </a:rPr>
-              <a:t>অনুগ্রহ </a:t>
-            </a:r>
-            <a:r>
-              <a:rPr lang="as-IN" sz="2800" b="1" dirty="0" smtClean="0">
-                <a:solidFill>
-                  <a:srgbClr val="FF0000"/>
-                </a:solidFill>
-              </a:rPr>
-              <a:t>করে</a:t>
-            </a:r>
-            <a:r>
-              <a:rPr lang="en-US" sz="2800" b="1" dirty="0" smtClean="0">
+              <a:t>অনুগ্রহ করে</a:t>
+            </a:r>
+            <a:r>
+              <a:rPr lang="en-US" sz="2800" b="1" dirty="0">
                 <a:solidFill>
                   <a:srgbClr val="FF0000"/>
                 </a:solidFill>
@@ -3538,18 +3486,10 @@
                   <a:srgbClr val="FF0000"/>
                 </a:solidFill>
               </a:rPr>
-              <a:t>লাইক </a:t>
-            </a:r>
-            <a:r>
-              <a:rPr lang="as-IN" sz="2800" b="1" dirty="0" smtClean="0">
-                <a:solidFill>
-                  <a:srgbClr val="FF0000"/>
-                </a:solidFill>
-              </a:rPr>
-              <a:t>বাটনে</a:t>
-            </a:r>
-            <a:r>
-              <a:rPr lang="en-US" sz="2800" b="1" dirty="0" smtClean="0">
+              <a:t>লাইক বাটনে</a:t>
+            </a:r>
+            <a:r>
+              <a:rPr lang="en-US" sz="2800" b="1" dirty="0">
                 <a:solidFill>
                   <a:srgbClr val="FF0000"/>
                 </a:solidFill>
@@ -3557,14 +3497,14 @@
               <a:t>          </a:t>
             </a:r>
             <a:r>
-              <a:rPr lang="as-IN" sz="2800" b="1" dirty="0" smtClean="0">
+              <a:rPr lang="as-IN" sz="2800" b="1" dirty="0">
                 <a:solidFill>
                   <a:srgbClr val="FF0000"/>
                 </a:solidFill>
               </a:rPr>
               <a:t>ক্লিক দিন</a:t>
             </a:r>
-            <a:endParaRPr lang="en-US" sz="2800" b="1" dirty="0" smtClean="0">
+            <a:endParaRPr lang="en-US" sz="2800" b="1" dirty="0">
               <a:solidFill>
                 <a:srgbClr val="FF0000"/>
               </a:solidFill>
@@ -3631,20 +3571,12 @@
           <a:lstStyle/>
           <a:p>
             <a:r>
-              <a:rPr lang="en-US" sz="2400" b="1" dirty="0" smtClean="0">
+              <a:rPr lang="en-US" sz="2400" b="1" dirty="0">
                 <a:solidFill>
                   <a:srgbClr val="FF0000"/>
                 </a:solidFill>
               </a:rPr>
-              <a:t>Facebook: https</a:t>
-            </a:r>
-            <a:r>
-              <a:rPr lang="en-US" sz="2400" b="1" dirty="0">
-                <a:solidFill>
-                  <a:srgbClr val="FF0000"/>
-                </a:solidFill>
-              </a:rPr>
-              <a:t>://www.facebook.com/EshoQuranBujhi/</a:t>
+              <a:t>Facebook: https://www.facebook.com/EshoQuranBujhi/</a:t>
             </a:r>
           </a:p>
         </p:txBody>
@@ -3665,7 +3597,7 @@
         </p:blipFill>
         <p:spPr>
           <a:xfrm>
-            <a:off x="9067410" y="5986172"/>
+            <a:off x="8165367" y="5956758"/>
             <a:ext cx="439893" cy="439893"/>
           </a:xfrm>
           <a:prstGeom prst="rect">
@@ -3683,13 +3615,6 @@
   <p:clrMapOvr>
     <a:masterClrMapping/>
   </p:clrMapOvr>
-  <p:timing>
-    <p:tnLst>
-      <p:par>
-        <p:cTn id="1" dur="indefinite" restart="never" nodeType="tmRoot"/>
-      </p:par>
-    </p:tnLst>
-  </p:timing>
 </p:sld>
 </file>
 
@@ -3768,61 +3693,52 @@
             </a:r>
             <a:r>
               <a:rPr lang="en-US" sz="2400" b="1" dirty="0"/>
+              <a:t>  </a:t>
+            </a:r>
+            <a:r>
+              <a:rPr lang="en-US" sz="2400" b="1" dirty="0" err="1"/>
+              <a:t>আল</a:t>
+            </a:r>
+            <a:r>
+              <a:rPr lang="en-US" sz="2400" b="1" dirty="0"/>
               <a:t> </a:t>
             </a:r>
             <a:r>
-              <a:rPr lang="en-US" sz="2400" b="1" dirty="0" smtClean="0"/>
+              <a:rPr lang="en-US" sz="2400" b="1" dirty="0" err="1"/>
+              <a:t>আসর</a:t>
+            </a:r>
+            <a:r>
+              <a:rPr lang="en-US" sz="2400" b="1" dirty="0"/>
+              <a:t>-</a:t>
+            </a:r>
+            <a:r>
+              <a:rPr lang="as-IN" sz="2400" b="1" dirty="0"/>
+              <a:t>এর</a:t>
+            </a:r>
+            <a:r>
+              <a:rPr lang="en-US" sz="2400" b="1" dirty="0"/>
+              <a:t>  </a:t>
+            </a:r>
+            <a:r>
+              <a:rPr lang="as-IN" sz="2400" b="1" dirty="0"/>
+              <a:t>সচিত্র </a:t>
+            </a:r>
+            <a:r>
+              <a:rPr lang="en-US" sz="2400" b="1" dirty="0"/>
               <a:t> </a:t>
             </a:r>
             <a:r>
-              <a:rPr lang="en-US" sz="2400" b="1" dirty="0" err="1" smtClean="0"/>
-              <a:t>আল</a:t>
-            </a:r>
-            <a:r>
-              <a:rPr lang="en-US" sz="2400" b="1" dirty="0" smtClean="0"/>
+              <a:rPr lang="as-IN" sz="2400" b="1" dirty="0"/>
+              <a:t>বর্ণনা</a:t>
+            </a:r>
+            <a:r>
+              <a:rPr lang="en-US" sz="2400" b="1" dirty="0"/>
               <a:t> </a:t>
             </a:r>
             <a:r>
-              <a:rPr lang="en-US" sz="2400" b="1" dirty="0" err="1" smtClean="0"/>
-              <a:t>আসর</a:t>
-            </a:r>
-            <a:r>
-              <a:rPr lang="en-US" sz="2400" b="1" dirty="0" smtClean="0"/>
-              <a:t>-</a:t>
-            </a:r>
-            <a:r>
-              <a:rPr lang="as-IN" sz="2400" b="1" dirty="0" smtClean="0"/>
-              <a:t>এর</a:t>
-            </a:r>
-            <a:r>
-              <a:rPr lang="en-US" sz="2400" b="1" dirty="0" smtClean="0"/>
-              <a:t>  </a:t>
-            </a:r>
-            <a:r>
-              <a:rPr lang="as-IN" sz="2400" b="1" dirty="0" smtClean="0"/>
-              <a:t>সচিত্র </a:t>
-            </a:r>
-            <a:r>
-              <a:rPr lang="en-US" sz="2400" b="1" dirty="0" smtClean="0"/>
-              <a:t> </a:t>
-            </a:r>
-            <a:r>
-              <a:rPr lang="as-IN" sz="2400" b="1" dirty="0" smtClean="0"/>
-              <a:t>বর্ণনা</a:t>
-            </a:r>
-            <a:r>
-              <a:rPr lang="en-US" sz="2400" b="1" dirty="0" smtClean="0"/>
-              <a:t> </a:t>
-            </a:r>
-            <a:r>
               <a:rPr lang="as-IN" sz="2400" b="1" dirty="0"/>
-              <a:t> (কম্পিউটার প্রোগ্রামসহ</a:t>
-            </a:r>
-            <a:r>
-              <a:rPr lang="as-IN" sz="2400" b="1" dirty="0" smtClean="0"/>
-              <a:t>)</a:t>
-            </a:r>
-            <a:endParaRPr lang="as-IN" sz="2400" b="1" dirty="0"/>
+              <a:t> (কম্পিউটার প্রোগ্রামসহ)</a:t>
+            </a:r>
           </a:p>
         </p:txBody>
       </p:sp>
@@ -3926,15 +3842,7 @@
                   <a:srgbClr val="FF0000"/>
                 </a:solidFill>
               </a:rPr>
-              <a:t> স্বাগতম</a:t>
-            </a:r>
-            <a:r>
-              <a:rPr lang="as-IN" sz="2400" b="1" dirty="0" smtClean="0">
-                <a:solidFill>
-                  <a:srgbClr val="FF0000"/>
-                </a:solidFill>
-              </a:rPr>
-              <a:t>!</a:t>
+              <a:t> স্বাগতম!</a:t>
             </a:r>
             <a:endParaRPr lang="en-US" sz="2400" b="1" dirty="0">
               <a:solidFill>
@@ -3966,7 +3874,7 @@
           <a:lstStyle/>
           <a:p>
             <a:r>
-              <a:rPr lang="en-US" sz="2400" b="1" dirty="0" smtClean="0">
+              <a:rPr lang="en-US" sz="2400" b="1" dirty="0">
                 <a:solidFill>
                   <a:srgbClr val="FF0000"/>
                 </a:solidFill>
@@ -3974,7 +3882,7 @@
               <a:t>facebook.com/</a:t>
             </a:r>
             <a:r>
-              <a:rPr lang="en-US" sz="2400" b="1" dirty="0" err="1" smtClean="0">
+              <a:rPr lang="en-US" sz="2400" b="1" dirty="0" err="1">
                 <a:solidFill>
                   <a:srgbClr val="FF0000"/>
                 </a:solidFill>
@@ -4053,13 +3961,6 @@
   <p:clrMapOvr>
     <a:masterClrMapping/>
   </p:clrMapOvr>
-  <p:timing>
-    <p:tnLst>
-      <p:par>
-        <p:cTn id="1" dur="indefinite" restart="never" nodeType="tmRoot"/>
-      </p:par>
-    </p:tnLst>
-  </p:timing>
 </p:sld>
 </file>
 
@@ -4257,13 +4158,6 @@
   <p:clrMapOvr>
     <a:masterClrMapping/>
   </p:clrMapOvr>
-  <p:timing>
-    <p:tnLst>
-      <p:par>
-        <p:cTn id="1" dur="indefinite" restart="never" nodeType="tmRoot"/>
-      </p:par>
-    </p:tnLst>
-  </p:timing>
 </p:sld>
 </file>
 
@@ -4336,7 +4230,7 @@
           <a:lstStyle/>
           <a:p>
             <a:pPr algn="ctr"/>
-            <a:endParaRPr lang="en-US" sz="1050" b="1" dirty="0" smtClean="0">
+            <a:endParaRPr lang="en-US" sz="1050" b="1" dirty="0">
               <a:solidFill>
                 <a:srgbClr val="FF0000"/>
               </a:solidFill>
@@ -4345,7 +4239,7 @@
           <a:p>
             <a:pPr algn="ctr"/>
             <a:r>
-              <a:rPr lang="as-IN" sz="3200" b="1" dirty="0" smtClean="0">
+              <a:rPr lang="as-IN" sz="3200" b="1" dirty="0">
                 <a:solidFill>
                   <a:srgbClr val="FF0000"/>
                 </a:solidFill>
@@ -4353,7 +4247,7 @@
               <a:t>আইসিটিইআর </a:t>
             </a:r>
             <a:r>
-              <a:rPr lang="en-US" sz="3200" b="1" dirty="0" smtClean="0">
+              <a:rPr lang="en-US" sz="3200" b="1" dirty="0">
                 <a:solidFill>
                   <a:srgbClr val="FF0000"/>
                 </a:solidFill>
@@ -4361,7 +4255,7 @@
               <a:t> </a:t>
             </a:r>
             <a:r>
-              <a:rPr lang="as-IN" sz="3200" b="1" dirty="0" smtClean="0">
+              <a:rPr lang="as-IN" sz="3200" b="1" dirty="0">
                 <a:solidFill>
                   <a:srgbClr val="FF0000"/>
                 </a:solidFill>
@@ -4369,7 +4263,7 @@
               <a:t>গুরু</a:t>
             </a:r>
             <a:r>
-              <a:rPr lang="en-US" sz="3200" b="1" dirty="0" smtClean="0">
+              <a:rPr lang="en-US" sz="3200" b="1" dirty="0">
                 <a:solidFill>
                   <a:srgbClr val="FF0000"/>
                 </a:solidFill>
@@ -4377,7 +4271,7 @@
               <a:t>  </a:t>
             </a:r>
             <a:r>
-              <a:rPr lang="as-IN" sz="3200" b="1" dirty="0" smtClean="0">
+              <a:rPr lang="as-IN" sz="3200" b="1" dirty="0">
                 <a:solidFill>
                   <a:srgbClr val="FF0000"/>
                 </a:solidFill>
@@ -4385,7 +4279,7 @@
               <a:t>অনলাইন ফোরামে</a:t>
             </a:r>
             <a:r>
-              <a:rPr lang="en-US" sz="3200" b="1" dirty="0" smtClean="0">
+              <a:rPr lang="en-US" sz="3200" b="1" dirty="0">
                 <a:solidFill>
                   <a:srgbClr val="FF0000"/>
                 </a:solidFill>
@@ -4393,7 +4287,7 @@
               <a:t> </a:t>
             </a:r>
             <a:r>
-              <a:rPr lang="as-IN" sz="3200" b="1" dirty="0" smtClean="0">
+              <a:rPr lang="as-IN" sz="3200" b="1" dirty="0">
                 <a:solidFill>
                   <a:srgbClr val="FF0000"/>
                 </a:solidFill>
@@ -4401,7 +4295,7 @@
               <a:t> আপনাকে</a:t>
             </a:r>
             <a:r>
-              <a:rPr lang="en-US" sz="3200" b="1" dirty="0" smtClean="0">
+              <a:rPr lang="en-US" sz="3200" b="1" dirty="0">
                 <a:solidFill>
                   <a:srgbClr val="FF0000"/>
                 </a:solidFill>
@@ -4409,7 +4303,7 @@
               <a:t> </a:t>
             </a:r>
             <a:r>
-              <a:rPr lang="as-IN" sz="3200" b="1" dirty="0" smtClean="0">
+              <a:rPr lang="as-IN" sz="3200" b="1" dirty="0">
                 <a:solidFill>
                   <a:srgbClr val="FF0000"/>
                 </a:solidFill>
@@ -4446,31 +4340,15 @@
           <a:lstStyle/>
           <a:p>
             <a:r>
-              <a:rPr lang="as-IN" sz="2800" b="1" dirty="0" smtClean="0">
+              <a:rPr lang="as-IN" sz="2800" b="1" dirty="0">
                 <a:solidFill>
                   <a:srgbClr val="FF0000"/>
                 </a:solidFill>
               </a:rPr>
-              <a:t>এই </a:t>
-            </a:r>
-            <a:r>
-              <a:rPr lang="as-IN" sz="2800" b="1" dirty="0">
-                <a:solidFill>
-                  <a:srgbClr val="FF0000"/>
-                </a:solidFill>
-              </a:rPr>
-              <a:t>ভিডিওটি ভাল </a:t>
-            </a:r>
-            <a:r>
-              <a:rPr lang="as-IN" sz="2800" b="1" dirty="0" smtClean="0">
-                <a:solidFill>
-                  <a:srgbClr val="FF0000"/>
-                </a:solidFill>
-              </a:rPr>
-              <a:t>লাগলে</a:t>
-            </a:r>
-            <a:r>
-              <a:rPr lang="en-US" sz="2800" b="1" dirty="0" smtClean="0">
+              <a:t>এই ভিডিওটি ভাল লাগলে</a:t>
+            </a:r>
+            <a:r>
+              <a:rPr lang="en-US" sz="2800" b="1" dirty="0">
                 <a:solidFill>
                   <a:srgbClr val="FF0000"/>
                 </a:solidFill>
@@ -4483,18 +4361,10 @@
                   <a:srgbClr val="FF0000"/>
                 </a:solidFill>
               </a:rPr>
-              <a:t>অনুগ্রহ </a:t>
-            </a:r>
-            <a:r>
-              <a:rPr lang="as-IN" sz="2800" b="1" dirty="0" smtClean="0">
-                <a:solidFill>
-                  <a:srgbClr val="FF0000"/>
-                </a:solidFill>
-              </a:rPr>
-              <a:t>করে</a:t>
-            </a:r>
-            <a:r>
-              <a:rPr lang="en-US" sz="2800" b="1" dirty="0" smtClean="0">
+              <a:t>অনুগ্রহ করে</a:t>
+            </a:r>
+            <a:r>
+              <a:rPr lang="en-US" sz="2800" b="1" dirty="0">
                 <a:solidFill>
                   <a:srgbClr val="FF0000"/>
                 </a:solidFill>
@@ -4510,7 +4380,7 @@
               <a:t>লাইক </a:t>
             </a:r>
             <a:r>
-              <a:rPr lang="en-US" sz="2800" b="1" dirty="0" smtClean="0">
+              <a:rPr lang="en-US" sz="2800" b="1" dirty="0">
                 <a:solidFill>
                   <a:srgbClr val="FF0000"/>
                 </a:solidFill>
@@ -4518,7 +4388,7 @@
               <a:t>      </a:t>
             </a:r>
             <a:r>
-              <a:rPr lang="as-IN" sz="2800" b="1" dirty="0" smtClean="0">
+              <a:rPr lang="as-IN" sz="2800" b="1" dirty="0">
                 <a:solidFill>
                   <a:srgbClr val="FF0000"/>
                 </a:solidFill>
@@ -4526,7 +4396,7 @@
               <a:t>বাটনে</a:t>
             </a:r>
             <a:r>
-              <a:rPr lang="en-US" sz="2800" b="1" dirty="0" smtClean="0">
+              <a:rPr lang="en-US" sz="2800" b="1" dirty="0">
                 <a:solidFill>
                   <a:srgbClr val="FF0000"/>
                 </a:solidFill>
@@ -4539,17 +4409,9 @@
                   <a:srgbClr val="FF0000"/>
                 </a:solidFill>
               </a:rPr>
-              <a:t>ক্লিক </a:t>
-            </a:r>
-            <a:r>
-              <a:rPr lang="as-IN" sz="2800" b="1" dirty="0" smtClean="0">
-                <a:solidFill>
-                  <a:srgbClr val="FF0000"/>
-                </a:solidFill>
-              </a:rPr>
-              <a:t>দিন</a:t>
-            </a:r>
-            <a:endParaRPr lang="en-US" sz="2800" b="1" dirty="0" smtClean="0">
+              <a:t>ক্লিক দিন</a:t>
+            </a:r>
+            <a:endParaRPr lang="en-US" sz="2800" b="1" dirty="0">
               <a:solidFill>
                 <a:srgbClr val="FF0000"/>
               </a:solidFill>
@@ -4557,14 +4419,14 @@
           </a:p>
           <a:p>
             <a:r>
-              <a:rPr lang="en-US" sz="2800" b="1" dirty="0" smtClean="0">
+              <a:rPr lang="en-US" sz="2800" b="1" dirty="0">
                 <a:solidFill>
                   <a:srgbClr val="FF0000"/>
                 </a:solidFill>
               </a:rPr>
               <a:t> </a:t>
             </a:r>
-            <a:endParaRPr lang="en-US" sz="1050" b="1" dirty="0" smtClean="0">
+            <a:endParaRPr lang="en-US" sz="1050" b="1" dirty="0">
               <a:solidFill>
                 <a:srgbClr val="FF0000"/>
               </a:solidFill>
@@ -4572,7 +4434,7 @@
           </a:p>
           <a:p>
             <a:r>
-              <a:rPr lang="as-IN" sz="3600" b="1" dirty="0" smtClean="0">
+              <a:rPr lang="as-IN" sz="3600" b="1" dirty="0">
                 <a:solidFill>
                   <a:srgbClr val="00B050"/>
                 </a:solidFill>
@@ -4580,7 +4442,7 @@
               <a:t>এবং</a:t>
             </a:r>
             <a:r>
-              <a:rPr lang="as-IN" sz="3600" b="1" dirty="0" smtClean="0">
+              <a:rPr lang="as-IN" sz="3600" b="1" dirty="0">
                 <a:solidFill>
                   <a:srgbClr val="FF0000"/>
                 </a:solidFill>
@@ -4588,20 +4450,12 @@
               <a:t> </a:t>
             </a:r>
             <a:r>
-              <a:rPr lang="as-IN" sz="3600" b="1" dirty="0" smtClean="0">
+              <a:rPr lang="as-IN" sz="3600" b="1" dirty="0">
                 <a:solidFill>
                   <a:srgbClr val="0070C0"/>
                 </a:solidFill>
               </a:rPr>
-              <a:t>অনুগ্রহ </a:t>
-            </a:r>
-            <a:r>
-              <a:rPr lang="as-IN" sz="3600" b="1" dirty="0">
-                <a:solidFill>
-                  <a:srgbClr val="0070C0"/>
-                </a:solidFill>
-              </a:rPr>
-              <a:t>করে</a:t>
+              <a:t>অনুগ্রহ করে</a:t>
             </a:r>
             <a:r>
               <a:rPr lang="en-US" sz="3600" b="1" dirty="0">
@@ -4642,7 +4496,7 @@
               <a:t>  </a:t>
             </a:r>
             <a:r>
-              <a:rPr lang="as-IN" sz="3600" b="1" dirty="0" smtClean="0">
+              <a:rPr lang="as-IN" sz="3600" b="1" dirty="0">
                 <a:solidFill>
                   <a:srgbClr val="0070C0"/>
                 </a:solidFill>
@@ -4710,7 +4564,7 @@
         </p:blipFill>
         <p:spPr>
           <a:xfrm>
-            <a:off x="7901219" y="5130208"/>
+            <a:off x="7085673" y="5085592"/>
             <a:ext cx="439893" cy="439893"/>
           </a:xfrm>
           <a:prstGeom prst="rect">
@@ -4728,13 +4582,6 @@
   <p:clrMapOvr>
     <a:masterClrMapping/>
   </p:clrMapOvr>
-  <p:timing>
-    <p:tnLst>
-      <p:par>
-        <p:cTn id="1" dur="indefinite" restart="never" nodeType="tmRoot"/>
-      </p:par>
-    </p:tnLst>
-  </p:timing>
 </p:sld>
 </file>
 
@@ -4963,15 +4810,7 @@
                   <a:srgbClr val="FF0000"/>
                 </a:solidFill>
               </a:rPr>
-              <a:t> স্বাগতম</a:t>
-            </a:r>
-            <a:r>
-              <a:rPr lang="as-IN" sz="2400" b="1" dirty="0" smtClean="0">
-                <a:solidFill>
-                  <a:srgbClr val="FF0000"/>
-                </a:solidFill>
-              </a:rPr>
-              <a:t>!</a:t>
+              <a:t> স্বাগতম!</a:t>
             </a:r>
             <a:endParaRPr lang="en-US" sz="2400" b="1" dirty="0">
               <a:solidFill>
@@ -5059,7 +4898,7 @@
           <a:p>
             <a:pPr algn="ctr"/>
             <a:r>
-              <a:rPr lang="en-US" dirty="0" smtClean="0">
+              <a:rPr lang="en-US" dirty="0">
                 <a:ln>
                   <a:solidFill>
                     <a:schemeClr val="tx1"/>
@@ -5068,13 +4907,6 @@
               </a:rPr>
               <a:t>Battery</a:t>
             </a:r>
-            <a:endParaRPr lang="en-US" dirty="0">
-              <a:ln>
-                <a:solidFill>
-                  <a:schemeClr val="tx1"/>
-                </a:solidFill>
-              </a:ln>
-            </a:endParaRPr>
           </a:p>
         </p:txBody>
       </p:sp>
@@ -6160,14 +5992,13 @@
               <a:lstStyle/>
               <a:p>
                 <a:r>
-                  <a:rPr lang="en-US" sz="1600" b="1" dirty="0" err="1" smtClean="0"/>
+                  <a:rPr lang="en-US" sz="1600" b="1" dirty="0" err="1"/>
                   <a:t>এবং</a:t>
                 </a:r>
                 <a:r>
-                  <a:rPr lang="en-US" sz="1600" b="1" dirty="0" smtClean="0"/>
+                  <a:rPr lang="en-US" sz="1600" b="1" dirty="0"/>
                   <a:t> (and)</a:t>
                 </a:r>
-                <a:endParaRPr lang="en-US" sz="1600" b="1" dirty="0"/>
               </a:p>
             </p:txBody>
           </p:sp>
@@ -6267,10 +6098,9 @@
           <a:lstStyle/>
           <a:p>
             <a:r>
-              <a:rPr lang="en-US" sz="1600" b="1" dirty="0" smtClean="0"/>
+              <a:rPr lang="en-US" sz="1600" b="1" dirty="0"/>
               <a:t>A</a:t>
             </a:r>
-            <a:endParaRPr lang="en-US" sz="1600" b="1" dirty="0"/>
           </a:p>
         </p:txBody>
       </p:sp>
@@ -6296,10 +6126,9 @@
           <a:lstStyle/>
           <a:p>
             <a:r>
-              <a:rPr lang="en-US" sz="1600" b="1" dirty="0" smtClean="0"/>
+              <a:rPr lang="en-US" sz="1600" b="1" dirty="0"/>
               <a:t>B</a:t>
             </a:r>
-            <a:endParaRPr lang="en-US" sz="1600" b="1" dirty="0"/>
           </a:p>
         </p:txBody>
       </p:sp>
@@ -6325,10 +6154,9 @@
           <a:lstStyle/>
           <a:p>
             <a:r>
-              <a:rPr lang="en-US" sz="1600" b="1" dirty="0" smtClean="0"/>
+              <a:rPr lang="en-US" sz="1600" b="1" dirty="0"/>
               <a:t>C</a:t>
             </a:r>
-            <a:endParaRPr lang="en-US" sz="1600" b="1" dirty="0"/>
           </a:p>
         </p:txBody>
       </p:sp>
@@ -6508,7 +6336,7 @@
           <a:p>
             <a:pPr algn="ctr"/>
             <a:r>
-              <a:rPr lang="en-US" dirty="0" smtClean="0">
+              <a:rPr lang="en-US" dirty="0">
                 <a:ln>
                   <a:solidFill>
                     <a:schemeClr val="tx1"/>
@@ -6517,13 +6345,6 @@
               </a:rPr>
               <a:t>Light</a:t>
             </a:r>
-            <a:endParaRPr lang="en-US" dirty="0">
-              <a:ln>
-                <a:solidFill>
-                  <a:schemeClr val="tx1"/>
-                </a:solidFill>
-              </a:ln>
-            </a:endParaRPr>
           </a:p>
         </p:txBody>
       </p:sp>
@@ -6605,7 +6426,7 @@
           <a:p>
             <a:pPr algn="ctr"/>
             <a:r>
-              <a:rPr lang="en-US" dirty="0" smtClean="0">
+              <a:rPr lang="en-US" dirty="0">
                 <a:ln>
                   <a:solidFill>
                     <a:schemeClr val="tx1"/>
@@ -6614,13 +6435,6 @@
               </a:rPr>
               <a:t>Succeeded</a:t>
             </a:r>
-            <a:endParaRPr lang="en-US" dirty="0">
-              <a:ln>
-                <a:solidFill>
-                  <a:schemeClr val="tx1"/>
-                </a:solidFill>
-              </a:ln>
-            </a:endParaRPr>
           </a:p>
         </p:txBody>
       </p:sp>
@@ -6660,14 +6474,13 @@
             <a:lstStyle/>
             <a:p>
               <a:r>
-                <a:rPr lang="en-US" sz="1600" b="1" dirty="0" err="1" smtClean="0"/>
+                <a:rPr lang="en-US" sz="1600" b="1" dirty="0" err="1"/>
                 <a:t>এবং</a:t>
               </a:r>
               <a:r>
-                <a:rPr lang="en-US" sz="1600" b="1" dirty="0" smtClean="0"/>
+                <a:rPr lang="en-US" sz="1600" b="1" dirty="0"/>
                 <a:t> (and)</a:t>
               </a:r>
-              <a:endParaRPr lang="en-US" sz="1600" b="1" dirty="0"/>
             </a:p>
           </p:txBody>
         </p:sp>
@@ -6732,14 +6545,13 @@
             <a:lstStyle/>
             <a:p>
               <a:r>
-                <a:rPr lang="en-US" sz="1600" b="1" dirty="0" err="1" smtClean="0"/>
+                <a:rPr lang="en-US" sz="1600" b="1" dirty="0" err="1"/>
                 <a:t>এবং</a:t>
               </a:r>
               <a:r>
-                <a:rPr lang="en-US" sz="1600" b="1" dirty="0" smtClean="0"/>
+                <a:rPr lang="en-US" sz="1600" b="1" dirty="0"/>
                 <a:t> (and)</a:t>
               </a:r>
-              <a:endParaRPr lang="en-US" sz="1600" b="1" dirty="0"/>
             </a:p>
           </p:txBody>
         </p:sp>
@@ -6790,7 +6602,7 @@
           <a:lstStyle/>
           <a:p>
             <a:r>
-              <a:rPr lang="en-US" sz="2800" b="1" dirty="0" smtClean="0">
+              <a:rPr lang="en-US" sz="2800" b="1" dirty="0">
                 <a:solidFill>
                   <a:srgbClr val="FF0000"/>
                 </a:solidFill>
@@ -6798,7 +6610,7 @@
               <a:t>facebook.com/</a:t>
             </a:r>
             <a:r>
-              <a:rPr lang="en-US" sz="2800" b="1" dirty="0" err="1" smtClean="0">
+              <a:rPr lang="en-US" sz="2800" b="1" dirty="0" err="1">
                 <a:solidFill>
                   <a:srgbClr val="FF0000"/>
                 </a:solidFill>
@@ -7032,7 +6844,7 @@
           <a:p>
             <a:pPr algn="ctr"/>
             <a:r>
-              <a:rPr lang="en-US" sz="2000" b="1" dirty="0" smtClean="0">
+              <a:rPr lang="en-US" sz="2000" b="1" dirty="0">
                 <a:solidFill>
                   <a:srgbClr val="FF0000"/>
                 </a:solidFill>
@@ -7041,7 +6853,7 @@
               <a:t>(A Spectacular Presentation of Surah Al-</a:t>
             </a:r>
             <a:r>
-              <a:rPr lang="en-US" sz="2000" b="1" dirty="0" err="1" smtClean="0">
+              <a:rPr lang="en-US" sz="2000" b="1" dirty="0" err="1">
                 <a:solidFill>
                   <a:srgbClr val="FF0000"/>
                 </a:solidFill>
@@ -7050,7 +6862,7 @@
               <a:t>Asa’r</a:t>
             </a:r>
             <a:r>
-              <a:rPr lang="en-US" sz="2000" b="1" dirty="0" smtClean="0">
+              <a:rPr lang="en-US" sz="2000" b="1" dirty="0">
                 <a:solidFill>
                   <a:srgbClr val="FF0000"/>
                 </a:solidFill>
@@ -7143,61 +6955,52 @@
             </a:r>
             <a:r>
               <a:rPr lang="en-US" sz="2400" b="1" dirty="0"/>
+              <a:t>  </a:t>
+            </a:r>
+            <a:r>
+              <a:rPr lang="en-US" sz="2400" b="1" dirty="0" err="1"/>
+              <a:t>আল</a:t>
+            </a:r>
+            <a:r>
+              <a:rPr lang="en-US" sz="2400" b="1" dirty="0"/>
               <a:t> </a:t>
             </a:r>
             <a:r>
-              <a:rPr lang="en-US" sz="2400" b="1" dirty="0" smtClean="0"/>
+              <a:rPr lang="en-US" sz="2400" b="1" dirty="0" err="1"/>
+              <a:t>আসর</a:t>
+            </a:r>
+            <a:r>
+              <a:rPr lang="en-US" sz="2400" b="1" dirty="0"/>
+              <a:t>-</a:t>
+            </a:r>
+            <a:r>
+              <a:rPr lang="as-IN" sz="2400" b="1" dirty="0"/>
+              <a:t>এর</a:t>
+            </a:r>
+            <a:r>
+              <a:rPr lang="en-US" sz="2400" b="1" dirty="0"/>
+              <a:t>  </a:t>
+            </a:r>
+            <a:r>
+              <a:rPr lang="as-IN" sz="2400" b="1" dirty="0"/>
+              <a:t>সচিত্র </a:t>
+            </a:r>
+            <a:r>
+              <a:rPr lang="en-US" sz="2400" b="1" dirty="0"/>
               <a:t> </a:t>
             </a:r>
             <a:r>
-              <a:rPr lang="en-US" sz="2400" b="1" dirty="0" err="1" smtClean="0"/>
-              <a:t>আল</a:t>
-            </a:r>
-            <a:r>
-              <a:rPr lang="en-US" sz="2400" b="1" dirty="0" smtClean="0"/>
+              <a:rPr lang="as-IN" sz="2400" b="1" dirty="0"/>
+              <a:t>বর্ণনা</a:t>
+            </a:r>
+            <a:r>
+              <a:rPr lang="en-US" sz="2400" b="1" dirty="0"/>
               <a:t> </a:t>
             </a:r>
             <a:r>
-              <a:rPr lang="en-US" sz="2400" b="1" dirty="0" err="1" smtClean="0"/>
-              <a:t>আসর</a:t>
-            </a:r>
-            <a:r>
-              <a:rPr lang="en-US" sz="2400" b="1" dirty="0" smtClean="0"/>
-              <a:t>-</a:t>
-            </a:r>
-            <a:r>
-              <a:rPr lang="as-IN" sz="2400" b="1" dirty="0" smtClean="0"/>
-              <a:t>এর</a:t>
-            </a:r>
-            <a:r>
-              <a:rPr lang="en-US" sz="2400" b="1" dirty="0" smtClean="0"/>
-              <a:t>  </a:t>
-            </a:r>
-            <a:r>
-              <a:rPr lang="as-IN" sz="2400" b="1" dirty="0" smtClean="0"/>
-              <a:t>সচিত্র </a:t>
-            </a:r>
-            <a:r>
-              <a:rPr lang="en-US" sz="2400" b="1" dirty="0" smtClean="0"/>
-              <a:t> </a:t>
-            </a:r>
-            <a:r>
-              <a:rPr lang="as-IN" sz="2400" b="1" dirty="0" smtClean="0"/>
-              <a:t>বর্ণনা</a:t>
-            </a:r>
-            <a:r>
-              <a:rPr lang="en-US" sz="2400" b="1" dirty="0" smtClean="0"/>
-              <a:t> </a:t>
-            </a:r>
-            <a:r>
               <a:rPr lang="as-IN" sz="2400" b="1" dirty="0"/>
-              <a:t> (কম্পিউটার প্রোগ্রামসহ</a:t>
-            </a:r>
-            <a:r>
-              <a:rPr lang="as-IN" sz="2400" b="1" dirty="0" smtClean="0"/>
-              <a:t>)</a:t>
-            </a:r>
-            <a:endParaRPr lang="as-IN" sz="2400" b="1" dirty="0"/>
+              <a:t> (কম্পিউটার প্রোগ্রামসহ)</a:t>
+            </a:r>
           </a:p>
         </p:txBody>
       </p:sp>
@@ -7211,13 +7014,6 @@
   <p:clrMapOvr>
     <a:masterClrMapping/>
   </p:clrMapOvr>
-  <p:timing>
-    <p:tnLst>
-      <p:par>
-        <p:cTn id="1" dur="indefinite" restart="never" nodeType="tmRoot"/>
-      </p:par>
-    </p:tnLst>
-  </p:timing>
 </p:sld>
 </file>
 
@@ -7452,15 +7248,7 @@
                   <a:srgbClr val="FF0000"/>
                 </a:solidFill>
               </a:rPr>
-              <a:t> স্বাগতম</a:t>
-            </a:r>
-            <a:r>
-              <a:rPr lang="as-IN" sz="2400" b="1" dirty="0" smtClean="0">
-                <a:solidFill>
-                  <a:srgbClr val="FF0000"/>
-                </a:solidFill>
-              </a:rPr>
-              <a:t>!</a:t>
+              <a:t> স্বাগতম!</a:t>
             </a:r>
             <a:endParaRPr lang="en-US" sz="2400" b="1" dirty="0">
               <a:solidFill>
@@ -7512,12 +7300,12 @@
               <a:rPr lang="en-US" sz="3600" b="1" dirty="0" err="1"/>
               <a:t>আসর</a:t>
             </a:r>
-            <a:endParaRPr lang="en-US" b="1" dirty="0" smtClean="0"/>
+            <a:endParaRPr lang="en-US" b="1" dirty="0"/>
           </a:p>
           <a:p>
             <a:pPr algn="ctr"/>
             <a:r>
-              <a:rPr lang="en-US" sz="2000" b="1" dirty="0" smtClean="0">
+              <a:rPr lang="en-US" sz="2000" b="1" dirty="0">
                 <a:solidFill>
                   <a:srgbClr val="FF0000"/>
                 </a:solidFill>
@@ -7526,7 +7314,7 @@
               <a:t>(Surah Al </a:t>
             </a:r>
             <a:r>
-              <a:rPr lang="en-US" sz="2000" b="1" dirty="0" err="1" smtClean="0">
+              <a:rPr lang="en-US" sz="2000" b="1" dirty="0" err="1">
                 <a:solidFill>
                   <a:srgbClr val="FF0000"/>
                 </a:solidFill>
@@ -7535,7 +7323,7 @@
               <a:t>Asar</a:t>
             </a:r>
             <a:r>
-              <a:rPr lang="en-US" sz="2000" b="1" dirty="0" smtClean="0">
+              <a:rPr lang="en-US" sz="2000" b="1" dirty="0">
                 <a:solidFill>
                   <a:srgbClr val="FF0000"/>
                 </a:solidFill>
@@ -7603,61 +7391,52 @@
             </a:r>
             <a:r>
               <a:rPr lang="en-US" sz="2400" b="1" dirty="0"/>
+              <a:t>  </a:t>
+            </a:r>
+            <a:r>
+              <a:rPr lang="en-US" sz="2400" b="1" dirty="0" err="1"/>
+              <a:t>আল</a:t>
+            </a:r>
+            <a:r>
+              <a:rPr lang="en-US" sz="2400" b="1" dirty="0"/>
               <a:t> </a:t>
             </a:r>
             <a:r>
-              <a:rPr lang="en-US" sz="2400" b="1" dirty="0" smtClean="0"/>
+              <a:rPr lang="en-US" sz="2400" b="1" dirty="0" err="1"/>
+              <a:t>আসর</a:t>
+            </a:r>
+            <a:r>
+              <a:rPr lang="en-US" sz="2400" b="1" dirty="0"/>
+              <a:t>-</a:t>
+            </a:r>
+            <a:r>
+              <a:rPr lang="as-IN" sz="2400" b="1" dirty="0"/>
+              <a:t>এর</a:t>
+            </a:r>
+            <a:r>
+              <a:rPr lang="en-US" sz="2400" b="1" dirty="0"/>
+              <a:t>  </a:t>
+            </a:r>
+            <a:r>
+              <a:rPr lang="as-IN" sz="2400" b="1" dirty="0"/>
+              <a:t>সচিত্র </a:t>
+            </a:r>
+            <a:r>
+              <a:rPr lang="en-US" sz="2400" b="1" dirty="0"/>
               <a:t> </a:t>
             </a:r>
             <a:r>
-              <a:rPr lang="en-US" sz="2400" b="1" dirty="0" err="1" smtClean="0"/>
-              <a:t>আল</a:t>
-            </a:r>
-            <a:r>
-              <a:rPr lang="en-US" sz="2400" b="1" dirty="0" smtClean="0"/>
+              <a:rPr lang="as-IN" sz="2400" b="1" dirty="0"/>
+              <a:t>বর্ণনা</a:t>
+            </a:r>
+            <a:r>
+              <a:rPr lang="en-US" sz="2400" b="1" dirty="0"/>
               <a:t> </a:t>
             </a:r>
             <a:r>
-              <a:rPr lang="en-US" sz="2400" b="1" dirty="0" err="1" smtClean="0"/>
-              <a:t>আসর</a:t>
-            </a:r>
-            <a:r>
-              <a:rPr lang="en-US" sz="2400" b="1" dirty="0" smtClean="0"/>
-              <a:t>-</a:t>
-            </a:r>
-            <a:r>
-              <a:rPr lang="as-IN" sz="2400" b="1" dirty="0" smtClean="0"/>
-              <a:t>এর</a:t>
-            </a:r>
-            <a:r>
-              <a:rPr lang="en-US" sz="2400" b="1" dirty="0" smtClean="0"/>
-              <a:t>  </a:t>
-            </a:r>
-            <a:r>
-              <a:rPr lang="as-IN" sz="2400" b="1" dirty="0" smtClean="0"/>
-              <a:t>সচিত্র </a:t>
-            </a:r>
-            <a:r>
-              <a:rPr lang="en-US" sz="2400" b="1" dirty="0" smtClean="0"/>
-              <a:t> </a:t>
-            </a:r>
-            <a:r>
-              <a:rPr lang="as-IN" sz="2400" b="1" dirty="0" smtClean="0"/>
-              <a:t>বর্ণনা</a:t>
-            </a:r>
-            <a:r>
-              <a:rPr lang="en-US" sz="2400" b="1" dirty="0" smtClean="0"/>
-              <a:t> </a:t>
-            </a:r>
-            <a:r>
               <a:rPr lang="as-IN" sz="2400" b="1" dirty="0"/>
-              <a:t> (কম্পিউটার প্রোগ্রামসহ</a:t>
-            </a:r>
-            <a:r>
-              <a:rPr lang="as-IN" sz="2400" b="1" dirty="0" smtClean="0"/>
-              <a:t>)</a:t>
-            </a:r>
-            <a:endParaRPr lang="as-IN" sz="2400" b="1" dirty="0"/>
+              <a:t> (কম্পিউটার প্রোগ্রামসহ)</a:t>
+            </a:r>
           </a:p>
         </p:txBody>
       </p:sp>
@@ -7683,7 +7462,7 @@
           <a:lstStyle/>
           <a:p>
             <a:r>
-              <a:rPr lang="en-US" sz="2800" b="1" dirty="0" smtClean="0">
+              <a:rPr lang="en-US" sz="2800" b="1" dirty="0">
                 <a:solidFill>
                   <a:srgbClr val="FF0000"/>
                 </a:solidFill>
@@ -7691,7 +7470,7 @@
               <a:t>facebook.com/</a:t>
             </a:r>
             <a:r>
-              <a:rPr lang="en-US" sz="2800" b="1" dirty="0" err="1" smtClean="0">
+              <a:rPr lang="en-US" sz="2800" b="1" dirty="0" err="1">
                 <a:solidFill>
                   <a:srgbClr val="FF0000"/>
                 </a:solidFill>
@@ -7716,13 +7495,6 @@
   <p:clrMapOvr>
     <a:masterClrMapping/>
   </p:clrMapOvr>
-  <p:timing>
-    <p:tnLst>
-      <p:par>
-        <p:cTn id="1" dur="indefinite" restart="never" nodeType="tmRoot"/>
-      </p:par>
-    </p:tnLst>
-  </p:timing>
 </p:sld>
 </file>
 
@@ -7796,7 +7568,7 @@
           <a:p>
             <a:pPr algn="ctr"/>
             <a:r>
-              <a:rPr lang="en-US" sz="2000" b="1" dirty="0" smtClean="0">
+              <a:rPr lang="en-US" sz="2000" b="1" dirty="0">
                 <a:solidFill>
                   <a:srgbClr val="FF0000"/>
                 </a:solidFill>
@@ -7805,7 +7577,7 @@
               <a:t>(A Spectacular Presentation of Surah Al-</a:t>
             </a:r>
             <a:r>
-              <a:rPr lang="en-US" sz="2000" b="1" dirty="0" err="1" smtClean="0">
+              <a:rPr lang="en-US" sz="2000" b="1" dirty="0" err="1">
                 <a:solidFill>
                   <a:srgbClr val="FF0000"/>
                 </a:solidFill>
@@ -7814,7 +7586,7 @@
               <a:t>Asa’r</a:t>
             </a:r>
             <a:r>
-              <a:rPr lang="en-US" sz="2000" b="1" dirty="0" smtClean="0">
+              <a:rPr lang="en-US" sz="2000" b="1" dirty="0">
                 <a:solidFill>
                   <a:srgbClr val="FF0000"/>
                 </a:solidFill>
@@ -7949,15 +7721,7 @@
                   <a:srgbClr val="FF0000"/>
                 </a:solidFill>
               </a:rPr>
-              <a:t> স্বাগতম</a:t>
-            </a:r>
-            <a:r>
-              <a:rPr lang="as-IN" sz="2400" b="1" dirty="0" smtClean="0">
-                <a:solidFill>
-                  <a:srgbClr val="FF0000"/>
-                </a:solidFill>
-              </a:rPr>
-              <a:t>!</a:t>
+              <a:t> স্বাগতম!</a:t>
             </a:r>
             <a:endParaRPr lang="en-US" sz="2400" b="1" dirty="0">
               <a:solidFill>
@@ -9084,14 +8848,13 @@
               <a:lstStyle/>
               <a:p>
                 <a:r>
-                  <a:rPr lang="en-US" sz="1600" b="1" dirty="0" err="1" smtClean="0"/>
+                  <a:rPr lang="en-US" sz="1600" b="1" dirty="0" err="1"/>
                   <a:t>এবং</a:t>
                 </a:r>
                 <a:r>
-                  <a:rPr lang="en-US" sz="1600" b="1" dirty="0" smtClean="0"/>
+                  <a:rPr lang="en-US" sz="1600" b="1" dirty="0"/>
                   <a:t> (and)</a:t>
                 </a:r>
-                <a:endParaRPr lang="en-US" sz="1600" b="1" dirty="0"/>
               </a:p>
             </p:txBody>
           </p:sp>
@@ -9191,10 +8954,9 @@
           <a:lstStyle/>
           <a:p>
             <a:r>
-              <a:rPr lang="en-US" sz="1600" b="1" dirty="0" smtClean="0"/>
+              <a:rPr lang="en-US" sz="1600" b="1" dirty="0"/>
               <a:t>A</a:t>
             </a:r>
-            <a:endParaRPr lang="en-US" sz="1600" b="1" dirty="0"/>
           </a:p>
         </p:txBody>
       </p:sp>
@@ -9220,10 +8982,9 @@
           <a:lstStyle/>
           <a:p>
             <a:r>
-              <a:rPr lang="en-US" sz="1600" b="1" dirty="0" smtClean="0"/>
+              <a:rPr lang="en-US" sz="1600" b="1" dirty="0"/>
               <a:t>B</a:t>
             </a:r>
-            <a:endParaRPr lang="en-US" sz="1600" b="1" dirty="0"/>
           </a:p>
         </p:txBody>
       </p:sp>
@@ -9249,10 +9010,9 @@
           <a:lstStyle/>
           <a:p>
             <a:r>
-              <a:rPr lang="en-US" sz="1600" b="1" dirty="0" smtClean="0"/>
+              <a:rPr lang="en-US" sz="1600" b="1" dirty="0"/>
               <a:t>C</a:t>
             </a:r>
-            <a:endParaRPr lang="en-US" sz="1600" b="1" dirty="0"/>
           </a:p>
         </p:txBody>
       </p:sp>
@@ -9432,7 +9192,7 @@
           <a:p>
             <a:pPr algn="ctr"/>
             <a:r>
-              <a:rPr lang="en-US" dirty="0" smtClean="0">
+              <a:rPr lang="en-US" dirty="0">
                 <a:ln>
                   <a:solidFill>
                     <a:schemeClr val="tx1"/>
@@ -9441,13 +9201,6 @@
               </a:rPr>
               <a:t>Light</a:t>
             </a:r>
-            <a:endParaRPr lang="en-US" dirty="0">
-              <a:ln>
-                <a:solidFill>
-                  <a:schemeClr val="tx1"/>
-                </a:solidFill>
-              </a:ln>
-            </a:endParaRPr>
           </a:p>
         </p:txBody>
       </p:sp>
@@ -9529,7 +9282,7 @@
           <a:p>
             <a:pPr algn="ctr"/>
             <a:r>
-              <a:rPr lang="en-US" dirty="0" smtClean="0">
+              <a:rPr lang="en-US" dirty="0">
                 <a:ln>
                   <a:solidFill>
                     <a:schemeClr val="tx1"/>
@@ -9538,13 +9291,6 @@
               </a:rPr>
               <a:t>In Loos</a:t>
             </a:r>
-            <a:endParaRPr lang="en-US" dirty="0">
-              <a:ln>
-                <a:solidFill>
-                  <a:schemeClr val="tx1"/>
-                </a:solidFill>
-              </a:ln>
-            </a:endParaRPr>
           </a:p>
         </p:txBody>
       </p:sp>
@@ -9584,14 +9330,13 @@
             <a:lstStyle/>
             <a:p>
               <a:r>
-                <a:rPr lang="en-US" sz="1600" b="1" dirty="0" err="1" smtClean="0"/>
+                <a:rPr lang="en-US" sz="1600" b="1" dirty="0" err="1"/>
                 <a:t>এবং</a:t>
               </a:r>
               <a:r>
-                <a:rPr lang="en-US" sz="1600" b="1" dirty="0" smtClean="0"/>
+                <a:rPr lang="en-US" sz="1600" b="1" dirty="0"/>
                 <a:t> (and)</a:t>
               </a:r>
-              <a:endParaRPr lang="en-US" sz="1600" b="1" dirty="0"/>
             </a:p>
           </p:txBody>
         </p:sp>
@@ -9656,14 +9401,13 @@
             <a:lstStyle/>
             <a:p>
               <a:r>
-                <a:rPr lang="en-US" sz="1600" b="1" dirty="0" err="1" smtClean="0"/>
+                <a:rPr lang="en-US" sz="1600" b="1" dirty="0" err="1"/>
                 <a:t>এবং</a:t>
               </a:r>
               <a:r>
-                <a:rPr lang="en-US" sz="1600" b="1" dirty="0" smtClean="0"/>
+                <a:rPr lang="en-US" sz="1600" b="1" dirty="0"/>
                 <a:t> (and)</a:t>
               </a:r>
-              <a:endParaRPr lang="en-US" sz="1600" b="1" dirty="0"/>
             </a:p>
           </p:txBody>
         </p:sp>
@@ -9843,7 +9587,7 @@
           <a:p>
             <a:pPr algn="ctr"/>
             <a:r>
-              <a:rPr lang="en-US" dirty="0" smtClean="0">
+              <a:rPr lang="en-US" dirty="0">
                 <a:ln>
                   <a:solidFill>
                     <a:schemeClr val="tx1"/>
@@ -9852,13 +9596,6 @@
               </a:rPr>
               <a:t>Battery</a:t>
             </a:r>
-            <a:endParaRPr lang="en-US" dirty="0">
-              <a:ln>
-                <a:solidFill>
-                  <a:schemeClr val="tx1"/>
-                </a:solidFill>
-              </a:ln>
-            </a:endParaRPr>
           </a:p>
         </p:txBody>
       </p:sp>
@@ -9890,61 +9627,52 @@
             </a:r>
             <a:r>
               <a:rPr lang="en-US" sz="2400" b="1" dirty="0"/>
+              <a:t>  </a:t>
+            </a:r>
+            <a:r>
+              <a:rPr lang="en-US" sz="2400" b="1" dirty="0" err="1"/>
+              <a:t>আল</a:t>
+            </a:r>
+            <a:r>
+              <a:rPr lang="en-US" sz="2400" b="1" dirty="0"/>
               <a:t> </a:t>
             </a:r>
             <a:r>
-              <a:rPr lang="en-US" sz="2400" b="1" dirty="0" smtClean="0"/>
+              <a:rPr lang="en-US" sz="2400" b="1" dirty="0" err="1"/>
+              <a:t>আসর</a:t>
+            </a:r>
+            <a:r>
+              <a:rPr lang="en-US" sz="2400" b="1" dirty="0"/>
+              <a:t>-</a:t>
+            </a:r>
+            <a:r>
+              <a:rPr lang="as-IN" sz="2400" b="1" dirty="0"/>
+              <a:t>এর</a:t>
+            </a:r>
+            <a:r>
+              <a:rPr lang="en-US" sz="2400" b="1" dirty="0"/>
+              <a:t>  </a:t>
+            </a:r>
+            <a:r>
+              <a:rPr lang="as-IN" sz="2400" b="1" dirty="0"/>
+              <a:t>সচিত্র </a:t>
+            </a:r>
+            <a:r>
+              <a:rPr lang="en-US" sz="2400" b="1" dirty="0"/>
               <a:t> </a:t>
             </a:r>
             <a:r>
-              <a:rPr lang="en-US" sz="2400" b="1" dirty="0" err="1" smtClean="0"/>
-              <a:t>আল</a:t>
-            </a:r>
-            <a:r>
-              <a:rPr lang="en-US" sz="2400" b="1" dirty="0" smtClean="0"/>
+              <a:rPr lang="as-IN" sz="2400" b="1" dirty="0"/>
+              <a:t>বর্ণনা</a:t>
+            </a:r>
+            <a:r>
+              <a:rPr lang="en-US" sz="2400" b="1" dirty="0"/>
               <a:t> </a:t>
             </a:r>
             <a:r>
-              <a:rPr lang="en-US" sz="2400" b="1" dirty="0" err="1" smtClean="0"/>
-              <a:t>আসর</a:t>
-            </a:r>
-            <a:r>
-              <a:rPr lang="en-US" sz="2400" b="1" dirty="0" smtClean="0"/>
-              <a:t>-</a:t>
-            </a:r>
-            <a:r>
-              <a:rPr lang="as-IN" sz="2400" b="1" dirty="0" smtClean="0"/>
-              <a:t>এর</a:t>
-            </a:r>
-            <a:r>
-              <a:rPr lang="en-US" sz="2400" b="1" dirty="0" smtClean="0"/>
-              <a:t>  </a:t>
-            </a:r>
-            <a:r>
-              <a:rPr lang="as-IN" sz="2400" b="1" dirty="0" smtClean="0"/>
-              <a:t>সচিত্র </a:t>
-            </a:r>
-            <a:r>
-              <a:rPr lang="en-US" sz="2400" b="1" dirty="0" smtClean="0"/>
-              <a:t> </a:t>
-            </a:r>
-            <a:r>
-              <a:rPr lang="as-IN" sz="2400" b="1" dirty="0" smtClean="0"/>
-              <a:t>বর্ণনা</a:t>
-            </a:r>
-            <a:r>
-              <a:rPr lang="en-US" sz="2400" b="1" dirty="0" smtClean="0"/>
-              <a:t> </a:t>
-            </a:r>
-            <a:r>
               <a:rPr lang="as-IN" sz="2400" b="1" dirty="0"/>
-              <a:t> (কম্পিউটার প্রোগ্রামসহ</a:t>
-            </a:r>
-            <a:r>
-              <a:rPr lang="as-IN" sz="2400" b="1" dirty="0" smtClean="0"/>
-              <a:t>)</a:t>
-            </a:r>
-            <a:endParaRPr lang="as-IN" sz="2400" b="1" dirty="0"/>
+              <a:t> (কম্পিউটার প্রোগ্রামসহ)</a:t>
+            </a:r>
           </a:p>
         </p:txBody>
       </p:sp>
@@ -10024,7 +9752,7 @@
           <a:lstStyle/>
           <a:p>
             <a:r>
-              <a:rPr lang="en-US" sz="2800" b="1" dirty="0" smtClean="0">
+              <a:rPr lang="en-US" sz="2800" b="1" dirty="0">
                 <a:solidFill>
                   <a:srgbClr val="FF0000"/>
                 </a:solidFill>
@@ -10032,7 +9760,7 @@
               <a:t>facebook.com/</a:t>
             </a:r>
             <a:r>
-              <a:rPr lang="en-US" sz="2800" b="1" dirty="0" err="1" smtClean="0">
+              <a:rPr lang="en-US" sz="2800" b="1" dirty="0" err="1">
                 <a:solidFill>
                   <a:srgbClr val="FF0000"/>
                 </a:solidFill>
@@ -10057,13 +9785,6 @@
   <p:clrMapOvr>
     <a:masterClrMapping/>
   </p:clrMapOvr>
-  <p:timing>
-    <p:tnLst>
-      <p:par>
-        <p:cTn id="1" dur="indefinite" restart="never" nodeType="tmRoot"/>
-      </p:par>
-    </p:tnLst>
-  </p:timing>
 </p:sld>
 </file>
 
@@ -10292,15 +10013,7 @@
                   <a:srgbClr val="FF0000"/>
                 </a:solidFill>
               </a:rPr>
-              <a:t> স্বাগতম</a:t>
-            </a:r>
-            <a:r>
-              <a:rPr lang="as-IN" sz="2400" b="1" dirty="0" smtClean="0">
-                <a:solidFill>
-                  <a:srgbClr val="FF0000"/>
-                </a:solidFill>
-              </a:rPr>
-              <a:t>!</a:t>
+              <a:t> স্বাগতম!</a:t>
             </a:r>
             <a:endParaRPr lang="en-US" sz="2400" b="1" dirty="0">
               <a:solidFill>
@@ -10388,7 +10101,7 @@
           <a:p>
             <a:pPr algn="ctr"/>
             <a:r>
-              <a:rPr lang="en-US" dirty="0" smtClean="0">
+              <a:rPr lang="en-US" dirty="0">
                 <a:ln>
                   <a:solidFill>
                     <a:schemeClr val="tx1"/>
@@ -10397,13 +10110,6 @@
               </a:rPr>
               <a:t>Battery</a:t>
             </a:r>
-            <a:endParaRPr lang="en-US" dirty="0">
-              <a:ln>
-                <a:solidFill>
-                  <a:schemeClr val="tx1"/>
-                </a:solidFill>
-              </a:ln>
-            </a:endParaRPr>
           </a:p>
         </p:txBody>
       </p:sp>
@@ -11489,14 +11195,13 @@
               <a:lstStyle/>
               <a:p>
                 <a:r>
-                  <a:rPr lang="en-US" sz="1600" b="1" dirty="0" err="1" smtClean="0"/>
+                  <a:rPr lang="en-US" sz="1600" b="1" dirty="0" err="1"/>
                   <a:t>এবং</a:t>
                 </a:r>
                 <a:r>
-                  <a:rPr lang="en-US" sz="1600" b="1" dirty="0" smtClean="0"/>
+                  <a:rPr lang="en-US" sz="1600" b="1" dirty="0"/>
                   <a:t> (and)</a:t>
                 </a:r>
-                <a:endParaRPr lang="en-US" sz="1600" b="1" dirty="0"/>
               </a:p>
             </p:txBody>
           </p:sp>
@@ -11596,10 +11301,9 @@
           <a:lstStyle/>
           <a:p>
             <a:r>
-              <a:rPr lang="en-US" sz="1600" b="1" dirty="0" smtClean="0"/>
+              <a:rPr lang="en-US" sz="1600" b="1" dirty="0"/>
               <a:t>A</a:t>
             </a:r>
-            <a:endParaRPr lang="en-US" sz="1600" b="1" dirty="0"/>
           </a:p>
         </p:txBody>
       </p:sp>
@@ -11625,10 +11329,9 @@
           <a:lstStyle/>
           <a:p>
             <a:r>
-              <a:rPr lang="en-US" sz="1600" b="1" dirty="0" smtClean="0"/>
+              <a:rPr lang="en-US" sz="1600" b="1" dirty="0"/>
               <a:t>B</a:t>
             </a:r>
-            <a:endParaRPr lang="en-US" sz="1600" b="1" dirty="0"/>
           </a:p>
         </p:txBody>
       </p:sp>
@@ -11654,10 +11357,9 @@
           <a:lstStyle/>
           <a:p>
             <a:r>
-              <a:rPr lang="en-US" sz="1600" b="1" dirty="0" smtClean="0"/>
+              <a:rPr lang="en-US" sz="1600" b="1" dirty="0"/>
               <a:t>C</a:t>
             </a:r>
-            <a:endParaRPr lang="en-US" sz="1600" b="1" dirty="0"/>
           </a:p>
         </p:txBody>
       </p:sp>
@@ -11837,7 +11539,7 @@
           <a:p>
             <a:pPr algn="ctr"/>
             <a:r>
-              <a:rPr lang="en-US" dirty="0" smtClean="0">
+              <a:rPr lang="en-US" dirty="0">
                 <a:ln>
                   <a:solidFill>
                     <a:schemeClr val="tx1"/>
@@ -11846,13 +11548,6 @@
               </a:rPr>
               <a:t>Light</a:t>
             </a:r>
-            <a:endParaRPr lang="en-US" dirty="0">
-              <a:ln>
-                <a:solidFill>
-                  <a:schemeClr val="tx1"/>
-                </a:solidFill>
-              </a:ln>
-            </a:endParaRPr>
           </a:p>
         </p:txBody>
       </p:sp>
@@ -11934,7 +11629,7 @@
           <a:p>
             <a:pPr algn="ctr"/>
             <a:r>
-              <a:rPr lang="en-US" dirty="0" smtClean="0">
+              <a:rPr lang="en-US" dirty="0">
                 <a:ln>
                   <a:solidFill>
                     <a:schemeClr val="tx1"/>
@@ -11943,13 +11638,6 @@
               </a:rPr>
               <a:t>Succeeded</a:t>
             </a:r>
-            <a:endParaRPr lang="en-US" dirty="0">
-              <a:ln>
-                <a:solidFill>
-                  <a:schemeClr val="tx1"/>
-                </a:solidFill>
-              </a:ln>
-            </a:endParaRPr>
           </a:p>
         </p:txBody>
       </p:sp>
@@ -11989,14 +11677,13 @@
             <a:lstStyle/>
             <a:p>
               <a:r>
-                <a:rPr lang="en-US" sz="1600" b="1" dirty="0" err="1" smtClean="0"/>
+                <a:rPr lang="en-US" sz="1600" b="1" dirty="0" err="1"/>
                 <a:t>এবং</a:t>
               </a:r>
               <a:r>
-                <a:rPr lang="en-US" sz="1600" b="1" dirty="0" smtClean="0"/>
+                <a:rPr lang="en-US" sz="1600" b="1" dirty="0"/>
                 <a:t> (and)</a:t>
               </a:r>
-              <a:endParaRPr lang="en-US" sz="1600" b="1" dirty="0"/>
             </a:p>
           </p:txBody>
         </p:sp>
@@ -12061,14 +11748,13 @@
             <a:lstStyle/>
             <a:p>
               <a:r>
-                <a:rPr lang="en-US" sz="1600" b="1" dirty="0" err="1" smtClean="0"/>
+                <a:rPr lang="en-US" sz="1600" b="1" dirty="0" err="1"/>
                 <a:t>এবং</a:t>
               </a:r>
               <a:r>
-                <a:rPr lang="en-US" sz="1600" b="1" dirty="0" smtClean="0"/>
+                <a:rPr lang="en-US" sz="1600" b="1" dirty="0"/>
                 <a:t> (and)</a:t>
               </a:r>
-              <a:endParaRPr lang="en-US" sz="1600" b="1" dirty="0"/>
             </a:p>
           </p:txBody>
         </p:sp>
@@ -12316,7 +12002,7 @@
           <a:p>
             <a:pPr algn="ctr"/>
             <a:r>
-              <a:rPr lang="en-US" sz="2000" b="1" dirty="0" smtClean="0">
+              <a:rPr lang="en-US" sz="2000" b="1" dirty="0">
                 <a:solidFill>
                   <a:srgbClr val="FF0000"/>
                 </a:solidFill>
@@ -12325,7 +12011,7 @@
               <a:t>(A Spectacular Presentation of Surah Al-</a:t>
             </a:r>
             <a:r>
-              <a:rPr lang="en-US" sz="2000" b="1" dirty="0" err="1" smtClean="0">
+              <a:rPr lang="en-US" sz="2000" b="1" dirty="0" err="1">
                 <a:solidFill>
                   <a:srgbClr val="FF0000"/>
                 </a:solidFill>
@@ -12334,7 +12020,7 @@
               <a:t>Asa’r</a:t>
             </a:r>
             <a:r>
-              <a:rPr lang="en-US" sz="2000" b="1" dirty="0" smtClean="0">
+              <a:rPr lang="en-US" sz="2000" b="1" dirty="0">
                 <a:solidFill>
                   <a:srgbClr val="FF0000"/>
                 </a:solidFill>
@@ -12373,61 +12059,52 @@
             </a:r>
             <a:r>
               <a:rPr lang="en-US" sz="2400" b="1" dirty="0"/>
+              <a:t>  </a:t>
+            </a:r>
+            <a:r>
+              <a:rPr lang="en-US" sz="2400" b="1" dirty="0" err="1"/>
+              <a:t>আল</a:t>
+            </a:r>
+            <a:r>
+              <a:rPr lang="en-US" sz="2400" b="1" dirty="0"/>
               <a:t> </a:t>
             </a:r>
             <a:r>
-              <a:rPr lang="en-US" sz="2400" b="1" dirty="0" smtClean="0"/>
+              <a:rPr lang="en-US" sz="2400" b="1" dirty="0" err="1"/>
+              <a:t>আসর</a:t>
+            </a:r>
+            <a:r>
+              <a:rPr lang="en-US" sz="2400" b="1" dirty="0"/>
+              <a:t>-</a:t>
+            </a:r>
+            <a:r>
+              <a:rPr lang="as-IN" sz="2400" b="1" dirty="0"/>
+              <a:t>এর</a:t>
+            </a:r>
+            <a:r>
+              <a:rPr lang="en-US" sz="2400" b="1" dirty="0"/>
+              <a:t>  </a:t>
+            </a:r>
+            <a:r>
+              <a:rPr lang="as-IN" sz="2400" b="1" dirty="0"/>
+              <a:t>সচিত্র </a:t>
+            </a:r>
+            <a:r>
+              <a:rPr lang="en-US" sz="2400" b="1" dirty="0"/>
               <a:t> </a:t>
             </a:r>
             <a:r>
-              <a:rPr lang="en-US" sz="2400" b="1" dirty="0" err="1" smtClean="0"/>
-              <a:t>আল</a:t>
-            </a:r>
-            <a:r>
-              <a:rPr lang="en-US" sz="2400" b="1" dirty="0" smtClean="0"/>
+              <a:rPr lang="as-IN" sz="2400" b="1" dirty="0"/>
+              <a:t>বর্ণনা</a:t>
+            </a:r>
+            <a:r>
+              <a:rPr lang="en-US" sz="2400" b="1" dirty="0"/>
               <a:t> </a:t>
             </a:r>
             <a:r>
-              <a:rPr lang="en-US" sz="2400" b="1" dirty="0" err="1" smtClean="0"/>
-              <a:t>আসর</a:t>
-            </a:r>
-            <a:r>
-              <a:rPr lang="en-US" sz="2400" b="1" dirty="0" smtClean="0"/>
-              <a:t>-</a:t>
-            </a:r>
-            <a:r>
-              <a:rPr lang="as-IN" sz="2400" b="1" dirty="0" smtClean="0"/>
-              <a:t>এর</a:t>
-            </a:r>
-            <a:r>
-              <a:rPr lang="en-US" sz="2400" b="1" dirty="0" smtClean="0"/>
-              <a:t>  </a:t>
-            </a:r>
-            <a:r>
-              <a:rPr lang="as-IN" sz="2400" b="1" dirty="0" smtClean="0"/>
-              <a:t>সচিত্র </a:t>
-            </a:r>
-            <a:r>
-              <a:rPr lang="en-US" sz="2400" b="1" dirty="0" smtClean="0"/>
-              <a:t> </a:t>
-            </a:r>
-            <a:r>
-              <a:rPr lang="as-IN" sz="2400" b="1" dirty="0" smtClean="0"/>
-              <a:t>বর্ণনা</a:t>
-            </a:r>
-            <a:r>
-              <a:rPr lang="en-US" sz="2400" b="1" dirty="0" smtClean="0"/>
-              <a:t> </a:t>
-            </a:r>
-            <a:r>
               <a:rPr lang="as-IN" sz="2400" b="1" dirty="0"/>
-              <a:t> (কম্পিউটার প্রোগ্রামসহ</a:t>
-            </a:r>
-            <a:r>
-              <a:rPr lang="as-IN" sz="2400" b="1" dirty="0" smtClean="0"/>
-              <a:t>)</a:t>
-            </a:r>
-            <a:endParaRPr lang="as-IN" sz="2400" b="1" dirty="0"/>
+              <a:t> (কম্পিউটার প্রোগ্রামসহ)</a:t>
+            </a:r>
           </a:p>
         </p:txBody>
       </p:sp>
@@ -12507,7 +12184,7 @@
           <a:lstStyle/>
           <a:p>
             <a:r>
-              <a:rPr lang="en-US" sz="2800" b="1" dirty="0" smtClean="0">
+              <a:rPr lang="en-US" sz="2800" b="1" dirty="0">
                 <a:solidFill>
                   <a:srgbClr val="FF0000"/>
                 </a:solidFill>
@@ -12515,7 +12192,7 @@
               <a:t>facebook.com/</a:t>
             </a:r>
             <a:r>
-              <a:rPr lang="en-US" sz="2800" b="1" dirty="0" err="1" smtClean="0">
+              <a:rPr lang="en-US" sz="2800" b="1" dirty="0" err="1">
                 <a:solidFill>
                   <a:srgbClr val="FF0000"/>
                 </a:solidFill>
@@ -12540,13 +12217,6 @@
   <p:clrMapOvr>
     <a:masterClrMapping/>
   </p:clrMapOvr>
-  <p:timing>
-    <p:tnLst>
-      <p:par>
-        <p:cTn id="1" dur="indefinite" restart="never" nodeType="tmRoot"/>
-      </p:par>
-    </p:tnLst>
-  </p:timing>
 </p:sld>
 </file>
 
@@ -12775,15 +12445,7 @@
                   <a:srgbClr val="FF0000"/>
                 </a:solidFill>
               </a:rPr>
-              <a:t> স্বাগতম</a:t>
-            </a:r>
-            <a:r>
-              <a:rPr lang="as-IN" sz="2400" b="1" dirty="0" smtClean="0">
-                <a:solidFill>
-                  <a:srgbClr val="FF0000"/>
-                </a:solidFill>
-              </a:rPr>
-              <a:t>!</a:t>
+              <a:t> স্বাগতম!</a:t>
             </a:r>
             <a:endParaRPr lang="en-US" sz="2400" b="1" dirty="0">
               <a:solidFill>
@@ -12871,7 +12533,7 @@
           <a:p>
             <a:pPr algn="ctr"/>
             <a:r>
-              <a:rPr lang="en-US" dirty="0" smtClean="0">
+              <a:rPr lang="en-US" dirty="0">
                 <a:ln>
                   <a:solidFill>
                     <a:schemeClr val="tx1"/>
@@ -12880,13 +12542,6 @@
               </a:rPr>
               <a:t>Battery</a:t>
             </a:r>
-            <a:endParaRPr lang="en-US" dirty="0">
-              <a:ln>
-                <a:solidFill>
-                  <a:schemeClr val="tx1"/>
-                </a:solidFill>
-              </a:ln>
-            </a:endParaRPr>
           </a:p>
         </p:txBody>
       </p:sp>
@@ -13972,14 +13627,13 @@
               <a:lstStyle/>
               <a:p>
                 <a:r>
-                  <a:rPr lang="en-US" sz="1600" b="1" dirty="0" err="1" smtClean="0"/>
+                  <a:rPr lang="en-US" sz="1600" b="1" dirty="0" err="1"/>
                   <a:t>এবং</a:t>
                 </a:r>
                 <a:r>
-                  <a:rPr lang="en-US" sz="1600" b="1" dirty="0" smtClean="0"/>
+                  <a:rPr lang="en-US" sz="1600" b="1" dirty="0"/>
                   <a:t> (and)</a:t>
                 </a:r>
-                <a:endParaRPr lang="en-US" sz="1600" b="1" dirty="0"/>
               </a:p>
             </p:txBody>
           </p:sp>
@@ -14079,10 +13733,9 @@
           <a:lstStyle/>
           <a:p>
             <a:r>
-              <a:rPr lang="en-US" sz="1600" b="1" dirty="0" smtClean="0"/>
+              <a:rPr lang="en-US" sz="1600" b="1" dirty="0"/>
               <a:t>A</a:t>
             </a:r>
-            <a:endParaRPr lang="en-US" sz="1600" b="1" dirty="0"/>
           </a:p>
         </p:txBody>
       </p:sp>
@@ -14108,10 +13761,9 @@
           <a:lstStyle/>
           <a:p>
             <a:r>
-              <a:rPr lang="en-US" sz="1600" b="1" dirty="0" smtClean="0"/>
+              <a:rPr lang="en-US" sz="1600" b="1" dirty="0"/>
               <a:t>B</a:t>
             </a:r>
-            <a:endParaRPr lang="en-US" sz="1600" b="1" dirty="0"/>
           </a:p>
         </p:txBody>
       </p:sp>
@@ -14137,10 +13789,9 @@
           <a:lstStyle/>
           <a:p>
             <a:r>
-              <a:rPr lang="en-US" sz="1600" b="1" dirty="0" smtClean="0"/>
+              <a:rPr lang="en-US" sz="1600" b="1" dirty="0"/>
               <a:t>C</a:t>
             </a:r>
-            <a:endParaRPr lang="en-US" sz="1600" b="1" dirty="0"/>
           </a:p>
         </p:txBody>
       </p:sp>
@@ -14348,14 +13999,13 @@
             <a:lstStyle/>
             <a:p>
               <a:r>
-                <a:rPr lang="en-US" sz="1600" b="1" dirty="0" err="1" smtClean="0"/>
+                <a:rPr lang="en-US" sz="1600" b="1" dirty="0" err="1"/>
                 <a:t>এবং</a:t>
               </a:r>
               <a:r>
-                <a:rPr lang="en-US" sz="1600" b="1" dirty="0" smtClean="0"/>
+                <a:rPr lang="en-US" sz="1600" b="1" dirty="0"/>
                 <a:t> (and)</a:t>
               </a:r>
-              <a:endParaRPr lang="en-US" sz="1600" b="1" dirty="0"/>
             </a:p>
           </p:txBody>
         </p:sp>
@@ -14420,14 +14070,13 @@
             <a:lstStyle/>
             <a:p>
               <a:r>
-                <a:rPr lang="en-US" sz="1600" b="1" dirty="0" err="1" smtClean="0"/>
+                <a:rPr lang="en-US" sz="1600" b="1" dirty="0" err="1"/>
                 <a:t>এবং</a:t>
               </a:r>
               <a:r>
-                <a:rPr lang="en-US" sz="1600" b="1" dirty="0" smtClean="0"/>
+                <a:rPr lang="en-US" sz="1600" b="1" dirty="0"/>
                 <a:t> (and)</a:t>
               </a:r>
-              <a:endParaRPr lang="en-US" sz="1600" b="1" dirty="0"/>
             </a:p>
           </p:txBody>
         </p:sp>
@@ -14584,7 +14233,7 @@
           <a:p>
             <a:pPr algn="ctr"/>
             <a:r>
-              <a:rPr lang="en-US" sz="2000" b="1" dirty="0" smtClean="0">
+              <a:rPr lang="en-US" sz="2000" b="1" dirty="0">
                 <a:solidFill>
                   <a:srgbClr val="FF0000"/>
                 </a:solidFill>
@@ -14593,7 +14242,7 @@
               <a:t>(A Spectacular Presentation of Surah Al-</a:t>
             </a:r>
             <a:r>
-              <a:rPr lang="en-US" sz="2000" b="1" dirty="0" err="1" smtClean="0">
+              <a:rPr lang="en-US" sz="2000" b="1" dirty="0" err="1">
                 <a:solidFill>
                   <a:srgbClr val="FF0000"/>
                 </a:solidFill>
@@ -14602,7 +14251,7 @@
               <a:t>Asa’r</a:t>
             </a:r>
             <a:r>
-              <a:rPr lang="en-US" sz="2000" b="1" dirty="0" smtClean="0">
+              <a:rPr lang="en-US" sz="2000" b="1" dirty="0">
                 <a:solidFill>
                   <a:srgbClr val="FF0000"/>
                 </a:solidFill>
@@ -14656,7 +14305,7 @@
           <a:p>
             <a:pPr algn="ctr"/>
             <a:r>
-              <a:rPr lang="en-US" dirty="0" smtClean="0">
+              <a:rPr lang="en-US" dirty="0">
                 <a:ln>
                   <a:solidFill>
                     <a:schemeClr val="tx1"/>
@@ -14665,13 +14314,6 @@
               </a:rPr>
               <a:t>Light</a:t>
             </a:r>
-            <a:endParaRPr lang="en-US" dirty="0">
-              <a:ln>
-                <a:solidFill>
-                  <a:schemeClr val="tx1"/>
-                </a:solidFill>
-              </a:ln>
-            </a:endParaRPr>
           </a:p>
         </p:txBody>
       </p:sp>
@@ -14718,7 +14360,7 @@
           <a:p>
             <a:pPr algn="ctr"/>
             <a:r>
-              <a:rPr lang="en-US" dirty="0" smtClean="0">
+              <a:rPr lang="en-US" dirty="0">
                 <a:ln>
                   <a:solidFill>
                     <a:schemeClr val="tx1"/>
@@ -14727,13 +14369,6 @@
               </a:rPr>
               <a:t>In Loos</a:t>
             </a:r>
-            <a:endParaRPr lang="en-US" dirty="0">
-              <a:ln>
-                <a:solidFill>
-                  <a:schemeClr val="tx1"/>
-                </a:solidFill>
-              </a:ln>
-            </a:endParaRPr>
           </a:p>
         </p:txBody>
       </p:sp>
@@ -14819,61 +14454,52 @@
             </a:r>
             <a:r>
               <a:rPr lang="en-US" sz="2400" b="1" dirty="0"/>
+              <a:t>  </a:t>
+            </a:r>
+            <a:r>
+              <a:rPr lang="en-US" sz="2400" b="1" dirty="0" err="1"/>
+              <a:t>আল</a:t>
+            </a:r>
+            <a:r>
+              <a:rPr lang="en-US" sz="2400" b="1" dirty="0"/>
               <a:t> </a:t>
             </a:r>
             <a:r>
-              <a:rPr lang="en-US" sz="2400" b="1" dirty="0" smtClean="0"/>
+              <a:rPr lang="en-US" sz="2400" b="1" dirty="0" err="1"/>
+              <a:t>আসর</a:t>
+            </a:r>
+            <a:r>
+              <a:rPr lang="en-US" sz="2400" b="1" dirty="0"/>
+              <a:t>-</a:t>
+            </a:r>
+            <a:r>
+              <a:rPr lang="as-IN" sz="2400" b="1" dirty="0"/>
+              <a:t>এর</a:t>
+            </a:r>
+            <a:r>
+              <a:rPr lang="en-US" sz="2400" b="1" dirty="0"/>
+              <a:t>  </a:t>
+            </a:r>
+            <a:r>
+              <a:rPr lang="as-IN" sz="2400" b="1" dirty="0"/>
+              <a:t>সচিত্র </a:t>
+            </a:r>
+            <a:r>
+              <a:rPr lang="en-US" sz="2400" b="1" dirty="0"/>
               <a:t> </a:t>
             </a:r>
             <a:r>
-              <a:rPr lang="en-US" sz="2400" b="1" dirty="0" err="1" smtClean="0"/>
-              <a:t>আল</a:t>
-            </a:r>
-            <a:r>
-              <a:rPr lang="en-US" sz="2400" b="1" dirty="0" smtClean="0"/>
+              <a:rPr lang="as-IN" sz="2400" b="1" dirty="0"/>
+              <a:t>বর্ণনা</a:t>
+            </a:r>
+            <a:r>
+              <a:rPr lang="en-US" sz="2400" b="1" dirty="0"/>
               <a:t> </a:t>
             </a:r>
             <a:r>
-              <a:rPr lang="en-US" sz="2400" b="1" dirty="0" err="1" smtClean="0"/>
-              <a:t>আসর</a:t>
-            </a:r>
-            <a:r>
-              <a:rPr lang="en-US" sz="2400" b="1" dirty="0" smtClean="0"/>
-              <a:t>-</a:t>
-            </a:r>
-            <a:r>
-              <a:rPr lang="as-IN" sz="2400" b="1" dirty="0" smtClean="0"/>
-              <a:t>এর</a:t>
-            </a:r>
-            <a:r>
-              <a:rPr lang="en-US" sz="2400" b="1" dirty="0" smtClean="0"/>
-              <a:t>  </a:t>
-            </a:r>
-            <a:r>
-              <a:rPr lang="as-IN" sz="2400" b="1" dirty="0" smtClean="0"/>
-              <a:t>সচিত্র </a:t>
-            </a:r>
-            <a:r>
-              <a:rPr lang="en-US" sz="2400" b="1" dirty="0" smtClean="0"/>
-              <a:t> </a:t>
-            </a:r>
-            <a:r>
-              <a:rPr lang="as-IN" sz="2400" b="1" dirty="0" smtClean="0"/>
-              <a:t>বর্ণনা</a:t>
-            </a:r>
-            <a:r>
-              <a:rPr lang="en-US" sz="2400" b="1" dirty="0" smtClean="0"/>
-              <a:t> </a:t>
-            </a:r>
-            <a:r>
               <a:rPr lang="as-IN" sz="2400" b="1" dirty="0"/>
-              <a:t> (কম্পিউটার প্রোগ্রামসহ</a:t>
-            </a:r>
-            <a:r>
-              <a:rPr lang="as-IN" sz="2400" b="1" dirty="0" smtClean="0"/>
-              <a:t>)</a:t>
-            </a:r>
-            <a:endParaRPr lang="as-IN" sz="2400" b="1" dirty="0"/>
+              <a:t> (কম্পিউটার প্রোগ্রামসহ)</a:t>
+            </a:r>
           </a:p>
         </p:txBody>
       </p:sp>
@@ -14953,7 +14579,7 @@
           <a:lstStyle/>
           <a:p>
             <a:r>
-              <a:rPr lang="en-US" sz="2800" b="1" dirty="0" smtClean="0">
+              <a:rPr lang="en-US" sz="2800" b="1" dirty="0">
                 <a:solidFill>
                   <a:srgbClr val="FF0000"/>
                 </a:solidFill>
@@ -14961,7 +14587,7 @@
               <a:t>facebook.com/</a:t>
             </a:r>
             <a:r>
-              <a:rPr lang="en-US" sz="2800" b="1" dirty="0" err="1" smtClean="0">
+              <a:rPr lang="en-US" sz="2800" b="1" dirty="0" err="1">
                 <a:solidFill>
                   <a:srgbClr val="FF0000"/>
                 </a:solidFill>
@@ -14986,13 +14612,6 @@
   <p:clrMapOvr>
     <a:masterClrMapping/>
   </p:clrMapOvr>
-  <p:timing>
-    <p:tnLst>
-      <p:par>
-        <p:cTn id="1" dur="indefinite" restart="never" nodeType="tmRoot"/>
-      </p:par>
-    </p:tnLst>
-  </p:timing>
 </p:sld>
 </file>
 
@@ -15221,15 +14840,7 @@
                   <a:srgbClr val="FF0000"/>
                 </a:solidFill>
               </a:rPr>
-              <a:t> স্বাগতম</a:t>
-            </a:r>
-            <a:r>
-              <a:rPr lang="as-IN" sz="2400" b="1" dirty="0" smtClean="0">
-                <a:solidFill>
-                  <a:srgbClr val="FF0000"/>
-                </a:solidFill>
-              </a:rPr>
-              <a:t>!</a:t>
+              <a:t> স্বাগতম!</a:t>
             </a:r>
             <a:endParaRPr lang="en-US" sz="2400" b="1" dirty="0">
               <a:solidFill>
@@ -15317,7 +14928,7 @@
           <a:p>
             <a:pPr algn="ctr"/>
             <a:r>
-              <a:rPr lang="en-US" dirty="0" smtClean="0">
+              <a:rPr lang="en-US" dirty="0">
                 <a:ln>
                   <a:solidFill>
                     <a:schemeClr val="tx1"/>
@@ -15326,13 +14937,6 @@
               </a:rPr>
               <a:t>Battery</a:t>
             </a:r>
-            <a:endParaRPr lang="en-US" dirty="0">
-              <a:ln>
-                <a:solidFill>
-                  <a:schemeClr val="tx1"/>
-                </a:solidFill>
-              </a:ln>
-            </a:endParaRPr>
           </a:p>
         </p:txBody>
       </p:sp>
@@ -16418,14 +16022,13 @@
               <a:lstStyle/>
               <a:p>
                 <a:r>
-                  <a:rPr lang="en-US" sz="1600" b="1" dirty="0" err="1" smtClean="0"/>
+                  <a:rPr lang="en-US" sz="1600" b="1" dirty="0" err="1"/>
                   <a:t>এবং</a:t>
                 </a:r>
                 <a:r>
-                  <a:rPr lang="en-US" sz="1600" b="1" dirty="0" smtClean="0"/>
+                  <a:rPr lang="en-US" sz="1600" b="1" dirty="0"/>
                   <a:t> (and)</a:t>
                 </a:r>
-                <a:endParaRPr lang="en-US" sz="1600" b="1" dirty="0"/>
               </a:p>
             </p:txBody>
           </p:sp>
@@ -16525,10 +16128,9 @@
           <a:lstStyle/>
           <a:p>
             <a:r>
-              <a:rPr lang="en-US" sz="1600" b="1" dirty="0" smtClean="0"/>
+              <a:rPr lang="en-US" sz="1600" b="1" dirty="0"/>
               <a:t>A</a:t>
             </a:r>
-            <a:endParaRPr lang="en-US" sz="1600" b="1" dirty="0"/>
           </a:p>
         </p:txBody>
       </p:sp>
@@ -16554,10 +16156,9 @@
           <a:lstStyle/>
           <a:p>
             <a:r>
-              <a:rPr lang="en-US" sz="1600" b="1" dirty="0" smtClean="0"/>
+              <a:rPr lang="en-US" sz="1600" b="1" dirty="0"/>
               <a:t>B</a:t>
             </a:r>
-            <a:endParaRPr lang="en-US" sz="1600" b="1" dirty="0"/>
           </a:p>
         </p:txBody>
       </p:sp>
@@ -16583,10 +16184,9 @@
           <a:lstStyle/>
           <a:p>
             <a:r>
-              <a:rPr lang="en-US" sz="1600" b="1" dirty="0" smtClean="0"/>
+              <a:rPr lang="en-US" sz="1600" b="1" dirty="0"/>
               <a:t>C</a:t>
             </a:r>
-            <a:endParaRPr lang="en-US" sz="1600" b="1" dirty="0"/>
           </a:p>
         </p:txBody>
       </p:sp>
@@ -16794,14 +16394,13 @@
             <a:lstStyle/>
             <a:p>
               <a:r>
-                <a:rPr lang="en-US" sz="1600" b="1" dirty="0" err="1" smtClean="0"/>
+                <a:rPr lang="en-US" sz="1600" b="1" dirty="0" err="1"/>
                 <a:t>এবং</a:t>
               </a:r>
               <a:r>
-                <a:rPr lang="en-US" sz="1600" b="1" dirty="0" smtClean="0"/>
+                <a:rPr lang="en-US" sz="1600" b="1" dirty="0"/>
                 <a:t> (and)</a:t>
               </a:r>
-              <a:endParaRPr lang="en-US" sz="1600" b="1" dirty="0"/>
             </a:p>
           </p:txBody>
         </p:sp>
@@ -16866,14 +16465,13 @@
             <a:lstStyle/>
             <a:p>
               <a:r>
-                <a:rPr lang="en-US" sz="1600" b="1" dirty="0" err="1" smtClean="0"/>
+                <a:rPr lang="en-US" sz="1600" b="1" dirty="0" err="1"/>
                 <a:t>এবং</a:t>
               </a:r>
               <a:r>
-                <a:rPr lang="en-US" sz="1600" b="1" dirty="0" smtClean="0"/>
+                <a:rPr lang="en-US" sz="1600" b="1" dirty="0"/>
                 <a:t> (and)</a:t>
               </a:r>
-              <a:endParaRPr lang="en-US" sz="1600" b="1" dirty="0"/>
             </a:p>
           </p:txBody>
         </p:sp>
@@ -17030,7 +16628,7 @@
           <a:p>
             <a:pPr algn="ctr"/>
             <a:r>
-              <a:rPr lang="en-US" sz="2000" b="1" dirty="0" smtClean="0">
+              <a:rPr lang="en-US" sz="2000" b="1" dirty="0">
                 <a:solidFill>
                   <a:srgbClr val="FF0000"/>
                 </a:solidFill>
@@ -17039,7 +16637,7 @@
               <a:t>(A Spectacular Presentation of Surah Al-</a:t>
             </a:r>
             <a:r>
-              <a:rPr lang="en-US" sz="2000" b="1" dirty="0" err="1" smtClean="0">
+              <a:rPr lang="en-US" sz="2000" b="1" dirty="0" err="1">
                 <a:solidFill>
                   <a:srgbClr val="FF0000"/>
                 </a:solidFill>
@@ -17048,7 +16646,7 @@
               <a:t>Asa’r</a:t>
             </a:r>
             <a:r>
-              <a:rPr lang="en-US" sz="2000" b="1" dirty="0" smtClean="0">
+              <a:rPr lang="en-US" sz="2000" b="1" dirty="0">
                 <a:solidFill>
                   <a:srgbClr val="FF0000"/>
                 </a:solidFill>
@@ -17102,7 +16700,7 @@
           <a:p>
             <a:pPr algn="ctr"/>
             <a:r>
-              <a:rPr lang="en-US" dirty="0" smtClean="0">
+              <a:rPr lang="en-US" dirty="0">
                 <a:ln>
                   <a:solidFill>
                     <a:schemeClr val="tx1"/>
@@ -17111,13 +16709,6 @@
               </a:rPr>
               <a:t>Light</a:t>
             </a:r>
-            <a:endParaRPr lang="en-US" dirty="0">
-              <a:ln>
-                <a:solidFill>
-                  <a:schemeClr val="tx1"/>
-                </a:solidFill>
-              </a:ln>
-            </a:endParaRPr>
           </a:p>
         </p:txBody>
       </p:sp>
@@ -17164,7 +16755,7 @@
           <a:p>
             <a:pPr algn="ctr"/>
             <a:r>
-              <a:rPr lang="en-US" dirty="0" smtClean="0">
+              <a:rPr lang="en-US" dirty="0">
                 <a:ln>
                   <a:solidFill>
                     <a:schemeClr val="tx1"/>
@@ -17173,13 +16764,6 @@
               </a:rPr>
               <a:t>In Loos</a:t>
             </a:r>
-            <a:endParaRPr lang="en-US" dirty="0">
-              <a:ln>
-                <a:solidFill>
-                  <a:schemeClr val="tx1"/>
-                </a:solidFill>
-              </a:ln>
-            </a:endParaRPr>
           </a:p>
         </p:txBody>
       </p:sp>
@@ -17265,61 +16849,52 @@
             </a:r>
             <a:r>
               <a:rPr lang="en-US" sz="2400" b="1" dirty="0"/>
+              <a:t>  </a:t>
+            </a:r>
+            <a:r>
+              <a:rPr lang="en-US" sz="2400" b="1" dirty="0" err="1"/>
+              <a:t>আল</a:t>
+            </a:r>
+            <a:r>
+              <a:rPr lang="en-US" sz="2400" b="1" dirty="0"/>
               <a:t> </a:t>
             </a:r>
             <a:r>
-              <a:rPr lang="en-US" sz="2400" b="1" dirty="0" smtClean="0"/>
+              <a:rPr lang="en-US" sz="2400" b="1" dirty="0" err="1"/>
+              <a:t>আসর</a:t>
+            </a:r>
+            <a:r>
+              <a:rPr lang="en-US" sz="2400" b="1" dirty="0"/>
+              <a:t>-</a:t>
+            </a:r>
+            <a:r>
+              <a:rPr lang="as-IN" sz="2400" b="1" dirty="0"/>
+              <a:t>এর</a:t>
+            </a:r>
+            <a:r>
+              <a:rPr lang="en-US" sz="2400" b="1" dirty="0"/>
+              <a:t>  </a:t>
+            </a:r>
+            <a:r>
+              <a:rPr lang="as-IN" sz="2400" b="1" dirty="0"/>
+              <a:t>সচিত্র </a:t>
+            </a:r>
+            <a:r>
+              <a:rPr lang="en-US" sz="2400" b="1" dirty="0"/>
               <a:t> </a:t>
             </a:r>
             <a:r>
-              <a:rPr lang="en-US" sz="2400" b="1" dirty="0" err="1" smtClean="0"/>
-              <a:t>আল</a:t>
-            </a:r>
-            <a:r>
-              <a:rPr lang="en-US" sz="2400" b="1" dirty="0" smtClean="0"/>
+              <a:rPr lang="as-IN" sz="2400" b="1" dirty="0"/>
+              <a:t>বর্ণনা</a:t>
+            </a:r>
+            <a:r>
+              <a:rPr lang="en-US" sz="2400" b="1" dirty="0"/>
               <a:t> </a:t>
             </a:r>
             <a:r>
-              <a:rPr lang="en-US" sz="2400" b="1" dirty="0" err="1" smtClean="0"/>
-              <a:t>আসর</a:t>
-            </a:r>
-            <a:r>
-              <a:rPr lang="en-US" sz="2400" b="1" dirty="0" smtClean="0"/>
-              <a:t>-</a:t>
-            </a:r>
-            <a:r>
-              <a:rPr lang="as-IN" sz="2400" b="1" dirty="0" smtClean="0"/>
-              <a:t>এর</a:t>
-            </a:r>
-            <a:r>
-              <a:rPr lang="en-US" sz="2400" b="1" dirty="0" smtClean="0"/>
-              <a:t>  </a:t>
-            </a:r>
-            <a:r>
-              <a:rPr lang="as-IN" sz="2400" b="1" dirty="0" smtClean="0"/>
-              <a:t>সচিত্র </a:t>
-            </a:r>
-            <a:r>
-              <a:rPr lang="en-US" sz="2400" b="1" dirty="0" smtClean="0"/>
-              <a:t> </a:t>
-            </a:r>
-            <a:r>
-              <a:rPr lang="as-IN" sz="2400" b="1" dirty="0" smtClean="0"/>
-              <a:t>বর্ণনা</a:t>
-            </a:r>
-            <a:r>
-              <a:rPr lang="en-US" sz="2400" b="1" dirty="0" smtClean="0"/>
-              <a:t> </a:t>
-            </a:r>
-            <a:r>
               <a:rPr lang="as-IN" sz="2400" b="1" dirty="0"/>
-              <a:t> (কম্পিউটার প্রোগ্রামসহ</a:t>
-            </a:r>
-            <a:r>
-              <a:rPr lang="as-IN" sz="2400" b="1" dirty="0" smtClean="0"/>
-              <a:t>)</a:t>
-            </a:r>
-            <a:endParaRPr lang="as-IN" sz="2400" b="1" dirty="0"/>
+              <a:t> (কম্পিউটার প্রোগ্রামসহ)</a:t>
+            </a:r>
           </a:p>
         </p:txBody>
       </p:sp>
@@ -17399,7 +16974,7 @@
           <a:lstStyle/>
           <a:p>
             <a:r>
-              <a:rPr lang="en-US" sz="2800" b="1" dirty="0" smtClean="0">
+              <a:rPr lang="en-US" sz="2800" b="1" dirty="0">
                 <a:solidFill>
                   <a:srgbClr val="FF0000"/>
                 </a:solidFill>
@@ -17407,7 +16982,7 @@
               <a:t>facebook.com/</a:t>
             </a:r>
             <a:r>
-              <a:rPr lang="en-US" sz="2800" b="1" dirty="0" err="1" smtClean="0">
+              <a:rPr lang="en-US" sz="2800" b="1" dirty="0" err="1">
                 <a:solidFill>
                   <a:srgbClr val="FF0000"/>
                 </a:solidFill>
@@ -17432,13 +17007,6 @@
   <p:clrMapOvr>
     <a:masterClrMapping/>
   </p:clrMapOvr>
-  <p:timing>
-    <p:tnLst>
-      <p:par>
-        <p:cTn id="1" dur="indefinite" restart="never" nodeType="tmRoot"/>
-      </p:par>
-    </p:tnLst>
-  </p:timing>
 </p:sld>
 </file>
 
@@ -17595,46 +17163,42 @@
             </a:r>
             <a:r>
               <a:rPr lang="en-US" sz="3600" b="1" dirty="0"/>
+              <a:t>  </a:t>
+            </a:r>
+            <a:r>
+              <a:rPr lang="en-US" sz="3600" b="1" dirty="0" err="1"/>
+              <a:t>আল</a:t>
+            </a:r>
+            <a:r>
+              <a:rPr lang="en-US" sz="3600" b="1" dirty="0"/>
               <a:t> </a:t>
             </a:r>
             <a:r>
-              <a:rPr lang="en-US" sz="3600" b="1" dirty="0" smtClean="0"/>
+              <a:rPr lang="en-US" sz="3600" b="1" dirty="0" err="1"/>
+              <a:t>আসর</a:t>
+            </a:r>
+            <a:r>
+              <a:rPr lang="en-US" sz="3600" b="1" dirty="0"/>
+              <a:t>-</a:t>
+            </a:r>
+            <a:r>
+              <a:rPr lang="as-IN" sz="3600" b="1" dirty="0"/>
+              <a:t>এর</a:t>
+            </a:r>
+            <a:r>
+              <a:rPr lang="en-US" sz="3600" b="1" dirty="0"/>
+              <a:t>  </a:t>
+            </a:r>
+            <a:r>
+              <a:rPr lang="as-IN" sz="3600" b="1" dirty="0"/>
+              <a:t>সচিত্র </a:t>
+            </a:r>
+            <a:r>
+              <a:rPr lang="en-US" sz="3600" b="1" dirty="0"/>
               <a:t> </a:t>
             </a:r>
             <a:r>
-              <a:rPr lang="en-US" sz="3600" b="1" dirty="0" err="1" smtClean="0"/>
-              <a:t>আল</a:t>
-            </a:r>
-            <a:r>
-              <a:rPr lang="en-US" sz="3600" b="1" dirty="0" smtClean="0"/>
-              <a:t> </a:t>
-            </a:r>
-            <a:r>
-              <a:rPr lang="en-US" sz="3600" b="1" dirty="0" err="1" smtClean="0"/>
-              <a:t>আসর</a:t>
-            </a:r>
-            <a:r>
-              <a:rPr lang="en-US" sz="3600" b="1" dirty="0" smtClean="0"/>
-              <a:t>-</a:t>
-            </a:r>
-            <a:r>
-              <a:rPr lang="as-IN" sz="3600" b="1" dirty="0" smtClean="0"/>
-              <a:t>এর</a:t>
-            </a:r>
-            <a:r>
-              <a:rPr lang="en-US" sz="3600" b="1" dirty="0" smtClean="0"/>
-              <a:t>  </a:t>
-            </a:r>
-            <a:r>
-              <a:rPr lang="as-IN" sz="3600" b="1" dirty="0" smtClean="0"/>
-              <a:t>সচিত্র </a:t>
-            </a:r>
-            <a:r>
-              <a:rPr lang="en-US" sz="3600" b="1" dirty="0" smtClean="0"/>
-              <a:t> </a:t>
-            </a:r>
-            <a:r>
-              <a:rPr lang="as-IN" sz="3600" b="1" dirty="0" smtClean="0"/>
+              <a:rPr lang="as-IN" sz="3600" b="1" dirty="0"/>
               <a:t>বর্ণনা</a:t>
             </a:r>
             <a:endParaRPr lang="en-US" sz="3600" b="1" dirty="0"/>
@@ -17741,15 +17305,7 @@
                   <a:srgbClr val="FF0000"/>
                 </a:solidFill>
               </a:rPr>
-              <a:t> স্বাগতম</a:t>
-            </a:r>
-            <a:r>
-              <a:rPr lang="as-IN" sz="2400" b="1" dirty="0" smtClean="0">
-                <a:solidFill>
-                  <a:srgbClr val="FF0000"/>
-                </a:solidFill>
-              </a:rPr>
-              <a:t>!</a:t>
+              <a:t> স্বাগতম!</a:t>
             </a:r>
             <a:endParaRPr lang="en-US" sz="2400" b="1" dirty="0">
               <a:solidFill>
@@ -17837,7 +17393,7 @@
           <a:p>
             <a:pPr algn="ctr"/>
             <a:r>
-              <a:rPr lang="en-US" dirty="0" smtClean="0">
+              <a:rPr lang="en-US" dirty="0">
                 <a:ln>
                   <a:solidFill>
                     <a:schemeClr val="tx1"/>
@@ -17846,13 +17402,6 @@
               </a:rPr>
               <a:t>Battery</a:t>
             </a:r>
-            <a:endParaRPr lang="en-US" dirty="0">
-              <a:ln>
-                <a:solidFill>
-                  <a:schemeClr val="tx1"/>
-                </a:solidFill>
-              </a:ln>
-            </a:endParaRPr>
           </a:p>
         </p:txBody>
       </p:sp>
@@ -18938,14 +18487,13 @@
               <a:lstStyle/>
               <a:p>
                 <a:r>
-                  <a:rPr lang="en-US" sz="1600" b="1" dirty="0" err="1" smtClean="0"/>
+                  <a:rPr lang="en-US" sz="1600" b="1" dirty="0" err="1"/>
                   <a:t>এবং</a:t>
                 </a:r>
                 <a:r>
-                  <a:rPr lang="en-US" sz="1600" b="1" dirty="0" smtClean="0"/>
+                  <a:rPr lang="en-US" sz="1600" b="1" dirty="0"/>
                   <a:t> (and)</a:t>
                 </a:r>
-                <a:endParaRPr lang="en-US" sz="1600" b="1" dirty="0"/>
               </a:p>
             </p:txBody>
           </p:sp>
@@ -19045,10 +18593,9 @@
           <a:lstStyle/>
           <a:p>
             <a:r>
-              <a:rPr lang="en-US" sz="1600" b="1" dirty="0" smtClean="0"/>
+              <a:rPr lang="en-US" sz="1600" b="1" dirty="0"/>
               <a:t>A</a:t>
             </a:r>
-            <a:endParaRPr lang="en-US" sz="1600" b="1" dirty="0"/>
           </a:p>
         </p:txBody>
       </p:sp>
@@ -19074,10 +18621,9 @@
           <a:lstStyle/>
           <a:p>
             <a:r>
-              <a:rPr lang="en-US" sz="1600" b="1" dirty="0" smtClean="0"/>
+              <a:rPr lang="en-US" sz="1600" b="1" dirty="0"/>
               <a:t>B</a:t>
             </a:r>
-            <a:endParaRPr lang="en-US" sz="1600" b="1" dirty="0"/>
           </a:p>
         </p:txBody>
       </p:sp>
@@ -19103,10 +18649,9 @@
           <a:lstStyle/>
           <a:p>
             <a:r>
-              <a:rPr lang="en-US" sz="1600" b="1" dirty="0" smtClean="0"/>
+              <a:rPr lang="en-US" sz="1600" b="1" dirty="0"/>
               <a:t>C</a:t>
             </a:r>
-            <a:endParaRPr lang="en-US" sz="1600" b="1" dirty="0"/>
           </a:p>
         </p:txBody>
       </p:sp>
@@ -19314,14 +18859,13 @@
             <a:lstStyle/>
             <a:p>
               <a:r>
-                <a:rPr lang="en-US" sz="1600" b="1" dirty="0" err="1" smtClean="0"/>
+                <a:rPr lang="en-US" sz="1600" b="1" dirty="0" err="1"/>
                 <a:t>এবং</a:t>
               </a:r>
               <a:r>
-                <a:rPr lang="en-US" sz="1600" b="1" dirty="0" smtClean="0"/>
+                <a:rPr lang="en-US" sz="1600" b="1" dirty="0"/>
                 <a:t> (and)</a:t>
               </a:r>
-              <a:endParaRPr lang="en-US" sz="1600" b="1" dirty="0"/>
             </a:p>
           </p:txBody>
         </p:sp>
@@ -19386,14 +18930,13 @@
             <a:lstStyle/>
             <a:p>
               <a:r>
-                <a:rPr lang="en-US" sz="1600" b="1" dirty="0" err="1" smtClean="0"/>
+                <a:rPr lang="en-US" sz="1600" b="1" dirty="0" err="1"/>
                 <a:t>এবং</a:t>
               </a:r>
               <a:r>
-                <a:rPr lang="en-US" sz="1600" b="1" dirty="0" smtClean="0"/>
+                <a:rPr lang="en-US" sz="1600" b="1" dirty="0"/>
                 <a:t> (and)</a:t>
               </a:r>
-              <a:endParaRPr lang="en-US" sz="1600" b="1" dirty="0"/>
             </a:p>
           </p:txBody>
         </p:sp>
@@ -19582,7 +19125,7 @@
           <a:p>
             <a:pPr algn="ctr"/>
             <a:r>
-              <a:rPr lang="en-US" sz="2000" b="1" dirty="0" smtClean="0">
+              <a:rPr lang="en-US" sz="2000" b="1" dirty="0">
                 <a:solidFill>
                   <a:srgbClr val="FF0000"/>
                 </a:solidFill>
@@ -19591,7 +19134,7 @@
               <a:t>(A Spectacular Presentation of Surah Al-</a:t>
             </a:r>
             <a:r>
-              <a:rPr lang="en-US" sz="2000" b="1" dirty="0" err="1" smtClean="0">
+              <a:rPr lang="en-US" sz="2000" b="1" dirty="0" err="1">
                 <a:solidFill>
                   <a:srgbClr val="FF0000"/>
                 </a:solidFill>
@@ -19600,7 +19143,7 @@
               <a:t>Asa’r</a:t>
             </a:r>
             <a:r>
-              <a:rPr lang="en-US" sz="2000" b="1" dirty="0" smtClean="0">
+              <a:rPr lang="en-US" sz="2000" b="1" dirty="0">
                 <a:solidFill>
                   <a:srgbClr val="FF0000"/>
                 </a:solidFill>
@@ -19654,7 +19197,7 @@
           <a:p>
             <a:pPr algn="ctr"/>
             <a:r>
-              <a:rPr lang="en-US" dirty="0" smtClean="0">
+              <a:rPr lang="en-US" dirty="0">
                 <a:ln>
                   <a:solidFill>
                     <a:schemeClr val="tx1"/>
@@ -19663,13 +19206,6 @@
               </a:rPr>
               <a:t>Light</a:t>
             </a:r>
-            <a:endParaRPr lang="en-US" dirty="0">
-              <a:ln>
-                <a:solidFill>
-                  <a:schemeClr val="tx1"/>
-                </a:solidFill>
-              </a:ln>
-            </a:endParaRPr>
           </a:p>
         </p:txBody>
       </p:sp>
@@ -19716,7 +19252,7 @@
           <a:p>
             <a:pPr algn="ctr"/>
             <a:r>
-              <a:rPr lang="en-US" dirty="0" smtClean="0">
+              <a:rPr lang="en-US" dirty="0">
                 <a:ln>
                   <a:solidFill>
                     <a:schemeClr val="tx1"/>
@@ -19725,13 +19261,6 @@
               </a:rPr>
               <a:t>In Loos</a:t>
             </a:r>
-            <a:endParaRPr lang="en-US" dirty="0">
-              <a:ln>
-                <a:solidFill>
-                  <a:schemeClr val="tx1"/>
-                </a:solidFill>
-              </a:ln>
-            </a:endParaRPr>
           </a:p>
         </p:txBody>
       </p:sp>
@@ -19811,7 +19340,7 @@
           <a:lstStyle/>
           <a:p>
             <a:r>
-              <a:rPr lang="en-US" sz="2800" b="1" dirty="0" smtClean="0">
+              <a:rPr lang="en-US" sz="2800" b="1" dirty="0">
                 <a:solidFill>
                   <a:srgbClr val="FF0000"/>
                 </a:solidFill>
@@ -19819,7 +19348,7 @@
               <a:t>facebook.com/</a:t>
             </a:r>
             <a:r>
-              <a:rPr lang="en-US" sz="2800" b="1" dirty="0" err="1" smtClean="0">
+              <a:rPr lang="en-US" sz="2800" b="1" dirty="0" err="1">
                 <a:solidFill>
                   <a:srgbClr val="FF0000"/>
                 </a:solidFill>
@@ -19844,13 +19373,6 @@
   <p:clrMapOvr>
     <a:masterClrMapping/>
   </p:clrMapOvr>
-  <p:timing>
-    <p:tnLst>
-      <p:par>
-        <p:cTn id="1" dur="indefinite" restart="never" nodeType="tmRoot"/>
-      </p:par>
-    </p:tnLst>
-  </p:timing>
 </p:sld>
 </file>
 
@@ -20007,46 +19529,42 @@
             </a:r>
             <a:r>
               <a:rPr lang="en-US" sz="3600" b="1" dirty="0"/>
+              <a:t>  </a:t>
+            </a:r>
+            <a:r>
+              <a:rPr lang="en-US" sz="3600" b="1" dirty="0" err="1"/>
+              <a:t>আল</a:t>
+            </a:r>
+            <a:r>
+              <a:rPr lang="en-US" sz="3600" b="1" dirty="0"/>
               <a:t> </a:t>
             </a:r>
             <a:r>
-              <a:rPr lang="en-US" sz="3600" b="1" dirty="0" smtClean="0"/>
+              <a:rPr lang="en-US" sz="3600" b="1" dirty="0" err="1"/>
+              <a:t>আসর</a:t>
+            </a:r>
+            <a:r>
+              <a:rPr lang="en-US" sz="3600" b="1" dirty="0"/>
+              <a:t>-</a:t>
+            </a:r>
+            <a:r>
+              <a:rPr lang="as-IN" sz="3600" b="1" dirty="0"/>
+              <a:t>এর</a:t>
+            </a:r>
+            <a:r>
+              <a:rPr lang="en-US" sz="3600" b="1" dirty="0"/>
+              <a:t>  </a:t>
+            </a:r>
+            <a:r>
+              <a:rPr lang="as-IN" sz="3600" b="1" dirty="0"/>
+              <a:t>সচিত্র </a:t>
+            </a:r>
+            <a:r>
+              <a:rPr lang="en-US" sz="3600" b="1" dirty="0"/>
               <a:t> </a:t>
             </a:r>
             <a:r>
-              <a:rPr lang="en-US" sz="3600" b="1" dirty="0" err="1" smtClean="0"/>
-              <a:t>আল</a:t>
-            </a:r>
-            <a:r>
-              <a:rPr lang="en-US" sz="3600" b="1" dirty="0" smtClean="0"/>
-              <a:t> </a:t>
-            </a:r>
-            <a:r>
-              <a:rPr lang="en-US" sz="3600" b="1" dirty="0" err="1" smtClean="0"/>
-              <a:t>আসর</a:t>
-            </a:r>
-            <a:r>
-              <a:rPr lang="en-US" sz="3600" b="1" dirty="0" smtClean="0"/>
-              <a:t>-</a:t>
-            </a:r>
-            <a:r>
-              <a:rPr lang="as-IN" sz="3600" b="1" dirty="0" smtClean="0"/>
-              <a:t>এর</a:t>
-            </a:r>
-            <a:r>
-              <a:rPr lang="en-US" sz="3600" b="1" dirty="0" smtClean="0"/>
-              <a:t>  </a:t>
-            </a:r>
-            <a:r>
-              <a:rPr lang="as-IN" sz="3600" b="1" dirty="0" smtClean="0"/>
-              <a:t>সচিত্র </a:t>
-            </a:r>
-            <a:r>
-              <a:rPr lang="en-US" sz="3600" b="1" dirty="0" smtClean="0"/>
-              <a:t> </a:t>
-            </a:r>
-            <a:r>
-              <a:rPr lang="as-IN" sz="3600" b="1" dirty="0" smtClean="0"/>
+              <a:rPr lang="as-IN" sz="3600" b="1" dirty="0"/>
               <a:t>বর্ণনা</a:t>
             </a:r>
             <a:endParaRPr lang="en-US" sz="3600" b="1" dirty="0"/>
@@ -20153,15 +19671,7 @@
                   <a:srgbClr val="FF0000"/>
                 </a:solidFill>
               </a:rPr>
-              <a:t> স্বাগতম</a:t>
-            </a:r>
-            <a:r>
-              <a:rPr lang="as-IN" sz="2400" b="1" dirty="0" smtClean="0">
-                <a:solidFill>
-                  <a:srgbClr val="FF0000"/>
-                </a:solidFill>
-              </a:rPr>
-              <a:t>!</a:t>
+              <a:t> স্বাগতম!</a:t>
             </a:r>
             <a:endParaRPr lang="en-US" sz="2400" b="1" dirty="0">
               <a:solidFill>
@@ -20249,7 +19759,7 @@
           <a:p>
             <a:pPr algn="ctr"/>
             <a:r>
-              <a:rPr lang="en-US" dirty="0" smtClean="0">
+              <a:rPr lang="en-US" dirty="0">
                 <a:ln>
                   <a:solidFill>
                     <a:schemeClr val="tx1"/>
@@ -20258,13 +19768,6 @@
               </a:rPr>
               <a:t>Battery</a:t>
             </a:r>
-            <a:endParaRPr lang="en-US" dirty="0">
-              <a:ln>
-                <a:solidFill>
-                  <a:schemeClr val="tx1"/>
-                </a:solidFill>
-              </a:ln>
-            </a:endParaRPr>
           </a:p>
         </p:txBody>
       </p:sp>
@@ -21350,14 +20853,13 @@
               <a:lstStyle/>
               <a:p>
                 <a:r>
-                  <a:rPr lang="en-US" sz="1600" b="1" dirty="0" err="1" smtClean="0"/>
+                  <a:rPr lang="en-US" sz="1600" b="1" dirty="0" err="1"/>
                   <a:t>এবং</a:t>
                 </a:r>
                 <a:r>
-                  <a:rPr lang="en-US" sz="1600" b="1" dirty="0" smtClean="0"/>
+                  <a:rPr lang="en-US" sz="1600" b="1" dirty="0"/>
                   <a:t> (and)</a:t>
                 </a:r>
-                <a:endParaRPr lang="en-US" sz="1600" b="1" dirty="0"/>
               </a:p>
             </p:txBody>
           </p:sp>
@@ -21457,10 +20959,9 @@
           <a:lstStyle/>
           <a:p>
             <a:r>
-              <a:rPr lang="en-US" sz="1600" b="1" dirty="0" smtClean="0"/>
+              <a:rPr lang="en-US" sz="1600" b="1" dirty="0"/>
               <a:t>A</a:t>
             </a:r>
-            <a:endParaRPr lang="en-US" sz="1600" b="1" dirty="0"/>
           </a:p>
         </p:txBody>
       </p:sp>
@@ -21486,10 +20987,9 @@
           <a:lstStyle/>
           <a:p>
             <a:r>
-              <a:rPr lang="en-US" sz="1600" b="1" dirty="0" smtClean="0"/>
+              <a:rPr lang="en-US" sz="1600" b="1" dirty="0"/>
               <a:t>B</a:t>
             </a:r>
-            <a:endParaRPr lang="en-US" sz="1600" b="1" dirty="0"/>
           </a:p>
         </p:txBody>
       </p:sp>
@@ -21515,10 +21015,9 @@
           <a:lstStyle/>
           <a:p>
             <a:r>
-              <a:rPr lang="en-US" sz="1600" b="1" dirty="0" smtClean="0"/>
+              <a:rPr lang="en-US" sz="1600" b="1" dirty="0"/>
               <a:t>C</a:t>
             </a:r>
-            <a:endParaRPr lang="en-US" sz="1600" b="1" dirty="0"/>
           </a:p>
         </p:txBody>
       </p:sp>
@@ -21698,7 +21197,7 @@
           <a:p>
             <a:pPr algn="ctr"/>
             <a:r>
-              <a:rPr lang="en-US" dirty="0" smtClean="0">
+              <a:rPr lang="en-US" dirty="0">
                 <a:ln>
                   <a:solidFill>
                     <a:schemeClr val="tx1"/>
@@ -21707,13 +21206,6 @@
               </a:rPr>
               <a:t>Light</a:t>
             </a:r>
-            <a:endParaRPr lang="en-US" dirty="0">
-              <a:ln>
-                <a:solidFill>
-                  <a:schemeClr val="tx1"/>
-                </a:solidFill>
-              </a:ln>
-            </a:endParaRPr>
           </a:p>
         </p:txBody>
       </p:sp>
@@ -21795,7 +21287,7 @@
           <a:p>
             <a:pPr algn="ctr"/>
             <a:r>
-              <a:rPr lang="en-US" dirty="0" smtClean="0">
+              <a:rPr lang="en-US" dirty="0">
                 <a:ln>
                   <a:solidFill>
                     <a:schemeClr val="tx1"/>
@@ -21804,13 +21296,6 @@
               </a:rPr>
               <a:t>Succeeded</a:t>
             </a:r>
-            <a:endParaRPr lang="en-US" dirty="0">
-              <a:ln>
-                <a:solidFill>
-                  <a:schemeClr val="tx1"/>
-                </a:solidFill>
-              </a:ln>
-            </a:endParaRPr>
           </a:p>
         </p:txBody>
       </p:sp>
@@ -21850,14 +21335,13 @@
             <a:lstStyle/>
             <a:p>
               <a:r>
-                <a:rPr lang="en-US" sz="1600" b="1" dirty="0" err="1" smtClean="0"/>
+                <a:rPr lang="en-US" sz="1600" b="1" dirty="0" err="1"/>
                 <a:t>এবং</a:t>
               </a:r>
               <a:r>
-                <a:rPr lang="en-US" sz="1600" b="1" dirty="0" smtClean="0"/>
+                <a:rPr lang="en-US" sz="1600" b="1" dirty="0"/>
                 <a:t> (and)</a:t>
               </a:r>
-              <a:endParaRPr lang="en-US" sz="1600" b="1" dirty="0"/>
             </a:p>
           </p:txBody>
         </p:sp>
@@ -21922,14 +21406,13 @@
             <a:lstStyle/>
             <a:p>
               <a:r>
-                <a:rPr lang="en-US" sz="1600" b="1" dirty="0" err="1" smtClean="0"/>
+                <a:rPr lang="en-US" sz="1600" b="1" dirty="0" err="1"/>
                 <a:t>এবং</a:t>
               </a:r>
               <a:r>
-                <a:rPr lang="en-US" sz="1600" b="1" dirty="0" smtClean="0"/>
+                <a:rPr lang="en-US" sz="1600" b="1" dirty="0"/>
                 <a:t> (and)</a:t>
               </a:r>
-              <a:endParaRPr lang="en-US" sz="1600" b="1" dirty="0"/>
             </a:p>
           </p:txBody>
         </p:sp>
@@ -22177,7 +21660,7 @@
           <a:p>
             <a:pPr algn="ctr"/>
             <a:r>
-              <a:rPr lang="en-US" sz="2000" b="1" dirty="0" smtClean="0">
+              <a:rPr lang="en-US" sz="2000" b="1" dirty="0">
                 <a:solidFill>
                   <a:srgbClr val="FF0000"/>
                 </a:solidFill>
@@ -22186,7 +21669,7 @@
               <a:t>(A Spectacular Presentation of Surah Al-</a:t>
             </a:r>
             <a:r>
-              <a:rPr lang="en-US" sz="2000" b="1" dirty="0" err="1" smtClean="0">
+              <a:rPr lang="en-US" sz="2000" b="1" dirty="0" err="1">
                 <a:solidFill>
                   <a:srgbClr val="FF0000"/>
                 </a:solidFill>
@@ -22195,7 +21678,7 @@
               <a:t>Asa’r</a:t>
             </a:r>
             <a:r>
-              <a:rPr lang="en-US" sz="2000" b="1" dirty="0" smtClean="0">
+              <a:rPr lang="en-US" sz="2000" b="1" dirty="0">
                 <a:solidFill>
                   <a:srgbClr val="FF0000"/>
                 </a:solidFill>
@@ -22282,7 +21765,7 @@
           <a:lstStyle/>
           <a:p>
             <a:r>
-              <a:rPr lang="en-US" sz="2800" b="1" dirty="0" smtClean="0">
+              <a:rPr lang="en-US" sz="2800" b="1" dirty="0">
                 <a:solidFill>
                   <a:srgbClr val="FF0000"/>
                 </a:solidFill>
@@ -22290,7 +21773,7 @@
               <a:t>facebook.com/</a:t>
             </a:r>
             <a:r>
-              <a:rPr lang="en-US" sz="2800" b="1" dirty="0" err="1" smtClean="0">
+              <a:rPr lang="en-US" sz="2800" b="1" dirty="0" err="1">
                 <a:solidFill>
                   <a:srgbClr val="FF0000"/>
                 </a:solidFill>
@@ -22315,13 +21798,6 @@
   <p:clrMapOvr>
     <a:masterClrMapping/>
   </p:clrMapOvr>
-  <p:timing>
-    <p:tnLst>
-      <p:par>
-        <p:cTn id="1" dur="indefinite" restart="never" nodeType="tmRoot"/>
-      </p:par>
-    </p:tnLst>
-  </p:timing>
 </p:sld>
 </file>
 
